--- a/Portfolio/ppt/movieProgram.pptx
+++ b/Portfolio/ppt/movieProgram.pptx
@@ -12,6 +12,14 @@
     <p:sldId id="260" r:id="rId6"/>
     <p:sldId id="261" r:id="rId7"/>
     <p:sldId id="262" r:id="rId8"/>
+    <p:sldId id="263" r:id="rId9"/>
+    <p:sldId id="264" r:id="rId10"/>
+    <p:sldId id="265" r:id="rId11"/>
+    <p:sldId id="266" r:id="rId12"/>
+    <p:sldId id="267" r:id="rId13"/>
+    <p:sldId id="268" r:id="rId14"/>
+    <p:sldId id="269" r:id="rId15"/>
+    <p:sldId id="270" r:id="rId16"/>
   </p:sldIdLst>
   <p:sldSz cx="9144000" cy="6858000" type="screen4x3"/>
   <p:notesSz cx="6858000" cy="9144000"/>
@@ -3415,7 +3423,1344 @@
 </p:sld>
 </file>
 
-<file path=ppt/slides/slide2.xml><?xml version="1.0" encoding="utf-8"?>
+<file path=ppt/slides/slide10.xml><?xml version="1.0" encoding="utf-8"?>
+<p:sld xmlns:a="http://schemas.openxmlformats.org/drawingml/2006/main" xmlns:r="http://schemas.openxmlformats.org/officeDocument/2006/relationships" xmlns:p="http://schemas.openxmlformats.org/presentationml/2006/main">
+  <p:cSld>
+    <p:spTree>
+      <p:nvGrpSpPr>
+        <p:cNvPr id="1" name=""/>
+        <p:cNvGrpSpPr/>
+        <p:nvPr/>
+      </p:nvGrpSpPr>
+      <p:grpSpPr>
+        <a:xfrm>
+          <a:off x="0" y="0"/>
+          <a:ext cx="0" cy="0"/>
+          <a:chOff x="0" y="0"/>
+          <a:chExt cx="0" cy="0"/>
+        </a:xfrm>
+      </p:grpSpPr>
+      <p:sp>
+        <p:nvSpPr>
+          <p:cNvPr id="9" name="직사각형 8"/>
+          <p:cNvSpPr/>
+          <p:nvPr/>
+        </p:nvSpPr>
+        <p:spPr>
+          <a:xfrm>
+            <a:off x="683568" y="404664"/>
+            <a:ext cx="7848872" cy="1213300"/>
+          </a:xfrm>
+          <a:prstGeom prst="rect">
+            <a:avLst/>
+          </a:prstGeom>
+          <a:noFill/>
+          <a:ln w="76200">
+            <a:solidFill>
+              <a:schemeClr val="tx1">
+                <a:lumMod val="65000"/>
+                <a:lumOff val="35000"/>
+              </a:schemeClr>
+            </a:solidFill>
+          </a:ln>
+          <a:effectLst>
+            <a:outerShdw blurRad="50800" dist="38100" dir="2700000" algn="tl" rotWithShape="0">
+              <a:prstClr val="black">
+                <a:alpha val="40000"/>
+              </a:prstClr>
+            </a:outerShdw>
+          </a:effectLst>
+        </p:spPr>
+        <p:style>
+          <a:lnRef idx="2">
+            <a:schemeClr val="accent1">
+              <a:shade val="50000"/>
+            </a:schemeClr>
+          </a:lnRef>
+          <a:fillRef idx="1">
+            <a:schemeClr val="accent1"/>
+          </a:fillRef>
+          <a:effectRef idx="0">
+            <a:schemeClr val="accent1"/>
+          </a:effectRef>
+          <a:fontRef idx="minor">
+            <a:schemeClr val="lt1"/>
+          </a:fontRef>
+        </p:style>
+        <p:txBody>
+          <a:bodyPr rtlCol="0" anchor="ctr"/>
+          <a:lstStyle/>
+          <a:p>
+            <a:pPr algn="ctr"/>
+            <a:endParaRPr lang="ko-KR" altLang="en-US"/>
+          </a:p>
+        </p:txBody>
+      </p:sp>
+      <p:sp>
+        <p:nvSpPr>
+          <p:cNvPr id="10" name="TextBox 9"/>
+          <p:cNvSpPr txBox="1"/>
+          <p:nvPr/>
+        </p:nvSpPr>
+        <p:spPr>
+          <a:xfrm>
+            <a:off x="3707904" y="657371"/>
+            <a:ext cx="2417650" cy="707886"/>
+          </a:xfrm>
+          <a:prstGeom prst="rect">
+            <a:avLst/>
+          </a:prstGeom>
+          <a:noFill/>
+        </p:spPr>
+        <p:txBody>
+          <a:bodyPr wrap="none" rtlCol="0">
+            <a:spAutoFit/>
+          </a:bodyPr>
+          <a:lstStyle/>
+          <a:p>
+            <a:r>
+              <a:rPr lang="ko-KR" altLang="en-US" sz="4000" dirty="0" smtClean="0"/>
+              <a:t>코드 소개</a:t>
+            </a:r>
+            <a:endParaRPr lang="ko-KR" altLang="en-US" sz="4000" dirty="0"/>
+          </a:p>
+        </p:txBody>
+      </p:sp>
+      <p:pic>
+        <p:nvPicPr>
+          <p:cNvPr id="11" name="그림 10"/>
+          <p:cNvPicPr>
+            <a:picLocks noChangeAspect="1"/>
+          </p:cNvPicPr>
+          <p:nvPr/>
+        </p:nvPicPr>
+        <p:blipFill>
+          <a:blip r:embed="rId2" cstate="print">
+            <a:extLst>
+              <a:ext uri="{28A0092B-C50C-407E-A947-70E740481C1C}">
+                <a14:useLocalDpi xmlns:a14="http://schemas.microsoft.com/office/drawing/2010/main" val="0"/>
+              </a:ext>
+            </a:extLst>
+          </a:blip>
+          <a:stretch>
+            <a:fillRect/>
+          </a:stretch>
+        </p:blipFill>
+        <p:spPr>
+          <a:xfrm>
+            <a:off x="1190169" y="657371"/>
+            <a:ext cx="658800" cy="658800"/>
+          </a:xfrm>
+          <a:prstGeom prst="rect">
+            <a:avLst/>
+          </a:prstGeom>
+        </p:spPr>
+      </p:pic>
+      <p:sp>
+        <p:nvSpPr>
+          <p:cNvPr id="13" name="직사각형 12"/>
+          <p:cNvSpPr/>
+          <p:nvPr/>
+        </p:nvSpPr>
+        <p:spPr>
+          <a:xfrm>
+            <a:off x="1691824" y="4653136"/>
+            <a:ext cx="5832359" cy="1800200"/>
+          </a:xfrm>
+          <a:prstGeom prst="rect">
+            <a:avLst/>
+          </a:prstGeom>
+          <a:noFill/>
+          <a:ln w="76200">
+            <a:solidFill>
+              <a:schemeClr val="tx1">
+                <a:lumMod val="65000"/>
+                <a:lumOff val="35000"/>
+              </a:schemeClr>
+            </a:solidFill>
+          </a:ln>
+          <a:effectLst>
+            <a:outerShdw blurRad="50800" dist="38100" dir="2700000" algn="tl" rotWithShape="0">
+              <a:prstClr val="black">
+                <a:alpha val="40000"/>
+              </a:prstClr>
+            </a:outerShdw>
+          </a:effectLst>
+        </p:spPr>
+        <p:style>
+          <a:lnRef idx="2">
+            <a:schemeClr val="accent1">
+              <a:shade val="50000"/>
+            </a:schemeClr>
+          </a:lnRef>
+          <a:fillRef idx="1">
+            <a:schemeClr val="accent1"/>
+          </a:fillRef>
+          <a:effectRef idx="0">
+            <a:schemeClr val="accent1"/>
+          </a:effectRef>
+          <a:fontRef idx="minor">
+            <a:schemeClr val="lt1"/>
+          </a:fontRef>
+        </p:style>
+        <p:txBody>
+          <a:bodyPr rtlCol="0" anchor="ctr"/>
+          <a:lstStyle/>
+          <a:p>
+            <a:pPr algn="ctr"/>
+            <a:endParaRPr lang="ko-KR" altLang="en-US"/>
+          </a:p>
+        </p:txBody>
+      </p:sp>
+      <p:sp>
+        <p:nvSpPr>
+          <p:cNvPr id="14" name="TextBox 13"/>
+          <p:cNvSpPr txBox="1"/>
+          <p:nvPr/>
+        </p:nvSpPr>
+        <p:spPr>
+          <a:xfrm>
+            <a:off x="3577961" y="4909127"/>
+            <a:ext cx="2079415" cy="369332"/>
+          </a:xfrm>
+          <a:prstGeom prst="rect">
+            <a:avLst/>
+          </a:prstGeom>
+          <a:noFill/>
+        </p:spPr>
+        <p:txBody>
+          <a:bodyPr wrap="none" rtlCol="0">
+            <a:spAutoFit/>
+          </a:bodyPr>
+          <a:lstStyle/>
+          <a:p>
+            <a:r>
+              <a:rPr lang="en-US" altLang="ko-KR" b="1" dirty="0" smtClean="0"/>
+              <a:t>Xml</a:t>
+            </a:r>
+            <a:r>
+              <a:rPr lang="ko-KR" altLang="en-US" b="1" dirty="0" smtClean="0"/>
+              <a:t>파일 저장하기</a:t>
+            </a:r>
+            <a:endParaRPr lang="ko-KR" altLang="en-US" b="1" dirty="0"/>
+          </a:p>
+        </p:txBody>
+      </p:sp>
+      <p:sp>
+        <p:nvSpPr>
+          <p:cNvPr id="15" name="TextBox 14"/>
+          <p:cNvSpPr txBox="1"/>
+          <p:nvPr/>
+        </p:nvSpPr>
+        <p:spPr>
+          <a:xfrm>
+            <a:off x="2241404" y="5534450"/>
+            <a:ext cx="4752527" cy="646331"/>
+          </a:xfrm>
+          <a:prstGeom prst="rect">
+            <a:avLst/>
+          </a:prstGeom>
+          <a:noFill/>
+        </p:spPr>
+        <p:txBody>
+          <a:bodyPr wrap="square" rtlCol="0">
+            <a:spAutoFit/>
+          </a:bodyPr>
+          <a:lstStyle/>
+          <a:p>
+            <a:pPr algn="just"/>
+            <a:r>
+              <a:rPr lang="ko-KR" altLang="en-US" dirty="0" smtClean="0"/>
+              <a:t>유용하게 쓸 수</a:t>
+            </a:r>
+            <a:r>
+              <a:rPr lang="en-US" altLang="ko-KR" dirty="0"/>
+              <a:t> </a:t>
+            </a:r>
+            <a:r>
+              <a:rPr lang="ko-KR" altLang="en-US" dirty="0" smtClean="0"/>
+              <a:t>있는 로그파일을 생성하고 로그를 저장한다</a:t>
+            </a:r>
+            <a:r>
+              <a:rPr lang="en-US" altLang="ko-KR" dirty="0" smtClean="0"/>
+              <a:t>.</a:t>
+            </a:r>
+          </a:p>
+        </p:txBody>
+      </p:sp>
+      <p:pic>
+        <p:nvPicPr>
+          <p:cNvPr id="3" name="그림 2"/>
+          <p:cNvPicPr>
+            <a:picLocks noChangeAspect="1"/>
+          </p:cNvPicPr>
+          <p:nvPr/>
+        </p:nvPicPr>
+        <p:blipFill>
+          <a:blip r:embed="rId3">
+            <a:extLst>
+              <a:ext uri="{28A0092B-C50C-407E-A947-70E740481C1C}">
+                <a14:useLocalDpi xmlns:a14="http://schemas.microsoft.com/office/drawing/2010/main" val="0"/>
+              </a:ext>
+            </a:extLst>
+          </a:blip>
+          <a:stretch>
+            <a:fillRect/>
+          </a:stretch>
+        </p:blipFill>
+        <p:spPr>
+          <a:xfrm>
+            <a:off x="1691824" y="1870671"/>
+            <a:ext cx="5832359" cy="2359951"/>
+          </a:xfrm>
+          <a:prstGeom prst="rect">
+            <a:avLst/>
+          </a:prstGeom>
+        </p:spPr>
+      </p:pic>
+    </p:spTree>
+    <p:extLst>
+      <p:ext uri="{BB962C8B-B14F-4D97-AF65-F5344CB8AC3E}">
+        <p14:creationId xmlns:p14="http://schemas.microsoft.com/office/powerpoint/2010/main" val="1231133547"/>
+      </p:ext>
+    </p:extLst>
+  </p:cSld>
+  <p:clrMapOvr>
+    <a:masterClrMapping/>
+  </p:clrMapOvr>
+  <p:timing>
+    <p:tnLst>
+      <p:par>
+        <p:cTn id="1" dur="indefinite" restart="never" nodeType="tmRoot"/>
+      </p:par>
+    </p:tnLst>
+  </p:timing>
+</p:sld>
+</file>
+
+<file path=ppt/slides/slide11.xml><?xml version="1.0" encoding="utf-8"?>
+<p:sld xmlns:a="http://schemas.openxmlformats.org/drawingml/2006/main" xmlns:r="http://schemas.openxmlformats.org/officeDocument/2006/relationships" xmlns:p="http://schemas.openxmlformats.org/presentationml/2006/main">
+  <p:cSld>
+    <p:spTree>
+      <p:nvGrpSpPr>
+        <p:cNvPr id="1" name=""/>
+        <p:cNvGrpSpPr/>
+        <p:nvPr/>
+      </p:nvGrpSpPr>
+      <p:grpSpPr>
+        <a:xfrm>
+          <a:off x="0" y="0"/>
+          <a:ext cx="0" cy="0"/>
+          <a:chOff x="0" y="0"/>
+          <a:chExt cx="0" cy="0"/>
+        </a:xfrm>
+      </p:grpSpPr>
+      <p:sp>
+        <p:nvSpPr>
+          <p:cNvPr id="9" name="직사각형 8"/>
+          <p:cNvSpPr/>
+          <p:nvPr/>
+        </p:nvSpPr>
+        <p:spPr>
+          <a:xfrm>
+            <a:off x="683568" y="404664"/>
+            <a:ext cx="7848872" cy="1213300"/>
+          </a:xfrm>
+          <a:prstGeom prst="rect">
+            <a:avLst/>
+          </a:prstGeom>
+          <a:noFill/>
+          <a:ln w="76200">
+            <a:solidFill>
+              <a:srgbClr val="00E6BA"/>
+            </a:solidFill>
+          </a:ln>
+          <a:effectLst>
+            <a:outerShdw blurRad="50800" dist="38100" dir="2700000" algn="tl" rotWithShape="0">
+              <a:prstClr val="black">
+                <a:alpha val="40000"/>
+              </a:prstClr>
+            </a:outerShdw>
+          </a:effectLst>
+        </p:spPr>
+        <p:style>
+          <a:lnRef idx="2">
+            <a:schemeClr val="accent1">
+              <a:shade val="50000"/>
+            </a:schemeClr>
+          </a:lnRef>
+          <a:fillRef idx="1">
+            <a:schemeClr val="accent1"/>
+          </a:fillRef>
+          <a:effectRef idx="0">
+            <a:schemeClr val="accent1"/>
+          </a:effectRef>
+          <a:fontRef idx="minor">
+            <a:schemeClr val="lt1"/>
+          </a:fontRef>
+        </p:style>
+        <p:txBody>
+          <a:bodyPr rtlCol="0" anchor="ctr"/>
+          <a:lstStyle/>
+          <a:p>
+            <a:pPr algn="ctr"/>
+            <a:endParaRPr lang="ko-KR" altLang="en-US"/>
+          </a:p>
+        </p:txBody>
+      </p:sp>
+      <p:sp>
+        <p:nvSpPr>
+          <p:cNvPr id="10" name="TextBox 9"/>
+          <p:cNvSpPr txBox="1"/>
+          <p:nvPr/>
+        </p:nvSpPr>
+        <p:spPr>
+          <a:xfrm>
+            <a:off x="3707904" y="657371"/>
+            <a:ext cx="2417650" cy="707886"/>
+          </a:xfrm>
+          <a:prstGeom prst="rect">
+            <a:avLst/>
+          </a:prstGeom>
+          <a:noFill/>
+        </p:spPr>
+        <p:txBody>
+          <a:bodyPr wrap="none" rtlCol="0">
+            <a:spAutoFit/>
+          </a:bodyPr>
+          <a:lstStyle/>
+          <a:p>
+            <a:r>
+              <a:rPr lang="ko-KR" altLang="en-US" sz="4000" dirty="0" smtClean="0"/>
+              <a:t>구현 화면</a:t>
+            </a:r>
+            <a:endParaRPr lang="ko-KR" altLang="en-US" sz="4000" dirty="0"/>
+          </a:p>
+        </p:txBody>
+      </p:sp>
+      <p:pic>
+        <p:nvPicPr>
+          <p:cNvPr id="12" name="그림 11"/>
+          <p:cNvPicPr>
+            <a:picLocks noChangeAspect="1"/>
+          </p:cNvPicPr>
+          <p:nvPr/>
+        </p:nvPicPr>
+        <p:blipFill>
+          <a:blip r:embed="rId2" cstate="print">
+            <a:extLst>
+              <a:ext uri="{28A0092B-C50C-407E-A947-70E740481C1C}">
+                <a14:useLocalDpi xmlns:a14="http://schemas.microsoft.com/office/drawing/2010/main" val="0"/>
+              </a:ext>
+            </a:extLst>
+          </a:blip>
+          <a:stretch>
+            <a:fillRect/>
+          </a:stretch>
+        </p:blipFill>
+        <p:spPr>
+          <a:xfrm>
+            <a:off x="1187624" y="657371"/>
+            <a:ext cx="658800" cy="658800"/>
+          </a:xfrm>
+          <a:prstGeom prst="rect">
+            <a:avLst/>
+          </a:prstGeom>
+        </p:spPr>
+      </p:pic>
+      <p:pic>
+        <p:nvPicPr>
+          <p:cNvPr id="3" name="그림 2"/>
+          <p:cNvPicPr>
+            <a:picLocks noChangeAspect="1"/>
+          </p:cNvPicPr>
+          <p:nvPr/>
+        </p:nvPicPr>
+        <p:blipFill>
+          <a:blip r:embed="rId3">
+            <a:extLst>
+              <a:ext uri="{28A0092B-C50C-407E-A947-70E740481C1C}">
+                <a14:useLocalDpi xmlns:a14="http://schemas.microsoft.com/office/drawing/2010/main" val="0"/>
+              </a:ext>
+            </a:extLst>
+          </a:blip>
+          <a:stretch>
+            <a:fillRect/>
+          </a:stretch>
+        </p:blipFill>
+        <p:spPr>
+          <a:xfrm>
+            <a:off x="4355976" y="2420888"/>
+            <a:ext cx="3960440" cy="3714450"/>
+          </a:xfrm>
+          <a:prstGeom prst="rect">
+            <a:avLst/>
+          </a:prstGeom>
+          <a:effectLst>
+            <a:outerShdw blurRad="50800" dist="38100" dir="2700000" algn="tl" rotWithShape="0">
+              <a:prstClr val="black">
+                <a:alpha val="40000"/>
+              </a:prstClr>
+            </a:outerShdw>
+          </a:effectLst>
+        </p:spPr>
+      </p:pic>
+      <p:sp>
+        <p:nvSpPr>
+          <p:cNvPr id="17" name="직사각형 16"/>
+          <p:cNvSpPr/>
+          <p:nvPr/>
+        </p:nvSpPr>
+        <p:spPr>
+          <a:xfrm>
+            <a:off x="323528" y="2636912"/>
+            <a:ext cx="3744416" cy="3240360"/>
+          </a:xfrm>
+          <a:prstGeom prst="rect">
+            <a:avLst/>
+          </a:prstGeom>
+          <a:noFill/>
+          <a:ln w="76200">
+            <a:solidFill>
+              <a:srgbClr val="00E6BA"/>
+            </a:solidFill>
+          </a:ln>
+          <a:effectLst>
+            <a:outerShdw blurRad="50800" dist="38100" dir="2700000" algn="tl" rotWithShape="0">
+              <a:prstClr val="black">
+                <a:alpha val="40000"/>
+              </a:prstClr>
+            </a:outerShdw>
+          </a:effectLst>
+        </p:spPr>
+        <p:style>
+          <a:lnRef idx="2">
+            <a:schemeClr val="accent1">
+              <a:shade val="50000"/>
+            </a:schemeClr>
+          </a:lnRef>
+          <a:fillRef idx="1">
+            <a:schemeClr val="accent1"/>
+          </a:fillRef>
+          <a:effectRef idx="0">
+            <a:schemeClr val="accent1"/>
+          </a:effectRef>
+          <a:fontRef idx="minor">
+            <a:schemeClr val="lt1"/>
+          </a:fontRef>
+        </p:style>
+        <p:txBody>
+          <a:bodyPr rtlCol="0" anchor="ctr"/>
+          <a:lstStyle/>
+          <a:p>
+            <a:pPr algn="ctr"/>
+            <a:endParaRPr lang="ko-KR" altLang="en-US"/>
+          </a:p>
+        </p:txBody>
+      </p:sp>
+      <p:sp>
+        <p:nvSpPr>
+          <p:cNvPr id="18" name="TextBox 17"/>
+          <p:cNvSpPr txBox="1"/>
+          <p:nvPr/>
+        </p:nvSpPr>
+        <p:spPr>
+          <a:xfrm>
+            <a:off x="1600861" y="3087481"/>
+            <a:ext cx="1189749" cy="369332"/>
+          </a:xfrm>
+          <a:prstGeom prst="rect">
+            <a:avLst/>
+          </a:prstGeom>
+          <a:noFill/>
+        </p:spPr>
+        <p:txBody>
+          <a:bodyPr wrap="none" rtlCol="0">
+            <a:spAutoFit/>
+          </a:bodyPr>
+          <a:lstStyle/>
+          <a:p>
+            <a:r>
+              <a:rPr lang="ko-KR" altLang="en-US" b="1" dirty="0" smtClean="0"/>
+              <a:t>검색 화면</a:t>
+            </a:r>
+            <a:endParaRPr lang="ko-KR" altLang="en-US" b="1" dirty="0"/>
+          </a:p>
+        </p:txBody>
+      </p:sp>
+      <p:sp>
+        <p:nvSpPr>
+          <p:cNvPr id="19" name="TextBox 18"/>
+          <p:cNvSpPr txBox="1"/>
+          <p:nvPr/>
+        </p:nvSpPr>
+        <p:spPr>
+          <a:xfrm>
+            <a:off x="755575" y="3815217"/>
+            <a:ext cx="2880320" cy="1754326"/>
+          </a:xfrm>
+          <a:prstGeom prst="rect">
+            <a:avLst/>
+          </a:prstGeom>
+          <a:noFill/>
+        </p:spPr>
+        <p:txBody>
+          <a:bodyPr wrap="square" rtlCol="0">
+            <a:spAutoFit/>
+          </a:bodyPr>
+          <a:lstStyle/>
+          <a:p>
+            <a:pPr algn="just"/>
+            <a:r>
+              <a:rPr lang="ko-KR" altLang="en-US" dirty="0" smtClean="0"/>
+              <a:t>찾을 제목을 입력하고 검색하여 정보를 찾고</a:t>
+            </a:r>
+            <a:r>
+              <a:rPr lang="en-US" altLang="ko-KR" dirty="0" smtClean="0"/>
+              <a:t>, </a:t>
+            </a:r>
+            <a:r>
+              <a:rPr lang="en-US" altLang="ko-KR" dirty="0" err="1" smtClean="0"/>
+              <a:t>ListView</a:t>
+            </a:r>
+            <a:r>
+              <a:rPr lang="ko-KR" altLang="en-US" dirty="0" smtClean="0"/>
+              <a:t>에서 선택한 정보의 상세정보 보기를 선택하여 영화 정보 창으로 들어간다</a:t>
+            </a:r>
+            <a:r>
+              <a:rPr lang="en-US" altLang="ko-KR" dirty="0" smtClean="0"/>
+              <a:t>.</a:t>
+            </a:r>
+          </a:p>
+        </p:txBody>
+      </p:sp>
+    </p:spTree>
+    <p:extLst>
+      <p:ext uri="{BB962C8B-B14F-4D97-AF65-F5344CB8AC3E}">
+        <p14:creationId xmlns:p14="http://schemas.microsoft.com/office/powerpoint/2010/main" val="1312435080"/>
+      </p:ext>
+    </p:extLst>
+  </p:cSld>
+  <p:clrMapOvr>
+    <a:masterClrMapping/>
+  </p:clrMapOvr>
+  <p:timing>
+    <p:tnLst>
+      <p:par>
+        <p:cTn id="1" dur="indefinite" restart="never" nodeType="tmRoot"/>
+      </p:par>
+    </p:tnLst>
+  </p:timing>
+</p:sld>
+</file>
+
+<file path=ppt/slides/slide12.xml><?xml version="1.0" encoding="utf-8"?>
+<p:sld xmlns:a="http://schemas.openxmlformats.org/drawingml/2006/main" xmlns:r="http://schemas.openxmlformats.org/officeDocument/2006/relationships" xmlns:p="http://schemas.openxmlformats.org/presentationml/2006/main">
+  <p:cSld>
+    <p:spTree>
+      <p:nvGrpSpPr>
+        <p:cNvPr id="1" name=""/>
+        <p:cNvGrpSpPr/>
+        <p:nvPr/>
+      </p:nvGrpSpPr>
+      <p:grpSpPr>
+        <a:xfrm>
+          <a:off x="0" y="0"/>
+          <a:ext cx="0" cy="0"/>
+          <a:chOff x="0" y="0"/>
+          <a:chExt cx="0" cy="0"/>
+        </a:xfrm>
+      </p:grpSpPr>
+      <p:sp>
+        <p:nvSpPr>
+          <p:cNvPr id="9" name="직사각형 8"/>
+          <p:cNvSpPr/>
+          <p:nvPr/>
+        </p:nvSpPr>
+        <p:spPr>
+          <a:xfrm>
+            <a:off x="683568" y="404664"/>
+            <a:ext cx="7848872" cy="1213300"/>
+          </a:xfrm>
+          <a:prstGeom prst="rect">
+            <a:avLst/>
+          </a:prstGeom>
+          <a:noFill/>
+          <a:ln w="76200">
+            <a:solidFill>
+              <a:srgbClr val="00E6BA"/>
+            </a:solidFill>
+          </a:ln>
+          <a:effectLst>
+            <a:outerShdw blurRad="50800" dist="38100" dir="2700000" algn="tl" rotWithShape="0">
+              <a:prstClr val="black">
+                <a:alpha val="40000"/>
+              </a:prstClr>
+            </a:outerShdw>
+          </a:effectLst>
+        </p:spPr>
+        <p:style>
+          <a:lnRef idx="2">
+            <a:schemeClr val="accent1">
+              <a:shade val="50000"/>
+            </a:schemeClr>
+          </a:lnRef>
+          <a:fillRef idx="1">
+            <a:schemeClr val="accent1"/>
+          </a:fillRef>
+          <a:effectRef idx="0">
+            <a:schemeClr val="accent1"/>
+          </a:effectRef>
+          <a:fontRef idx="minor">
+            <a:schemeClr val="lt1"/>
+          </a:fontRef>
+        </p:style>
+        <p:txBody>
+          <a:bodyPr rtlCol="0" anchor="ctr"/>
+          <a:lstStyle/>
+          <a:p>
+            <a:pPr algn="ctr"/>
+            <a:endParaRPr lang="ko-KR" altLang="en-US"/>
+          </a:p>
+        </p:txBody>
+      </p:sp>
+      <p:sp>
+        <p:nvSpPr>
+          <p:cNvPr id="10" name="TextBox 9"/>
+          <p:cNvSpPr txBox="1"/>
+          <p:nvPr/>
+        </p:nvSpPr>
+        <p:spPr>
+          <a:xfrm>
+            <a:off x="3707904" y="657371"/>
+            <a:ext cx="2417650" cy="707886"/>
+          </a:xfrm>
+          <a:prstGeom prst="rect">
+            <a:avLst/>
+          </a:prstGeom>
+          <a:noFill/>
+        </p:spPr>
+        <p:txBody>
+          <a:bodyPr wrap="none" rtlCol="0">
+            <a:spAutoFit/>
+          </a:bodyPr>
+          <a:lstStyle/>
+          <a:p>
+            <a:r>
+              <a:rPr lang="ko-KR" altLang="en-US" sz="4000" dirty="0" smtClean="0"/>
+              <a:t>구현 화면</a:t>
+            </a:r>
+            <a:endParaRPr lang="ko-KR" altLang="en-US" sz="4000" dirty="0"/>
+          </a:p>
+        </p:txBody>
+      </p:sp>
+      <p:pic>
+        <p:nvPicPr>
+          <p:cNvPr id="12" name="그림 11"/>
+          <p:cNvPicPr>
+            <a:picLocks noChangeAspect="1"/>
+          </p:cNvPicPr>
+          <p:nvPr/>
+        </p:nvPicPr>
+        <p:blipFill>
+          <a:blip r:embed="rId2" cstate="print">
+            <a:extLst>
+              <a:ext uri="{28A0092B-C50C-407E-A947-70E740481C1C}">
+                <a14:useLocalDpi xmlns:a14="http://schemas.microsoft.com/office/drawing/2010/main" val="0"/>
+              </a:ext>
+            </a:extLst>
+          </a:blip>
+          <a:stretch>
+            <a:fillRect/>
+          </a:stretch>
+        </p:blipFill>
+        <p:spPr>
+          <a:xfrm>
+            <a:off x="1187624" y="657371"/>
+            <a:ext cx="658800" cy="658800"/>
+          </a:xfrm>
+          <a:prstGeom prst="rect">
+            <a:avLst/>
+          </a:prstGeom>
+        </p:spPr>
+      </p:pic>
+      <p:sp>
+        <p:nvSpPr>
+          <p:cNvPr id="17" name="직사각형 16"/>
+          <p:cNvSpPr/>
+          <p:nvPr/>
+        </p:nvSpPr>
+        <p:spPr>
+          <a:xfrm>
+            <a:off x="323528" y="2636912"/>
+            <a:ext cx="3744416" cy="2952328"/>
+          </a:xfrm>
+          <a:prstGeom prst="rect">
+            <a:avLst/>
+          </a:prstGeom>
+          <a:noFill/>
+          <a:ln w="76200">
+            <a:solidFill>
+              <a:srgbClr val="00E6BA"/>
+            </a:solidFill>
+          </a:ln>
+          <a:effectLst>
+            <a:outerShdw blurRad="50800" dist="38100" dir="2700000" algn="tl" rotWithShape="0">
+              <a:prstClr val="black">
+                <a:alpha val="40000"/>
+              </a:prstClr>
+            </a:outerShdw>
+          </a:effectLst>
+        </p:spPr>
+        <p:style>
+          <a:lnRef idx="2">
+            <a:schemeClr val="accent1">
+              <a:shade val="50000"/>
+            </a:schemeClr>
+          </a:lnRef>
+          <a:fillRef idx="1">
+            <a:schemeClr val="accent1"/>
+          </a:fillRef>
+          <a:effectRef idx="0">
+            <a:schemeClr val="accent1"/>
+          </a:effectRef>
+          <a:fontRef idx="minor">
+            <a:schemeClr val="lt1"/>
+          </a:fontRef>
+        </p:style>
+        <p:txBody>
+          <a:bodyPr rtlCol="0" anchor="ctr"/>
+          <a:lstStyle/>
+          <a:p>
+            <a:pPr algn="ctr"/>
+            <a:endParaRPr lang="ko-KR" altLang="en-US"/>
+          </a:p>
+        </p:txBody>
+      </p:sp>
+      <p:sp>
+        <p:nvSpPr>
+          <p:cNvPr id="18" name="TextBox 17"/>
+          <p:cNvSpPr txBox="1"/>
+          <p:nvPr/>
+        </p:nvSpPr>
+        <p:spPr>
+          <a:xfrm>
+            <a:off x="1329152" y="3018689"/>
+            <a:ext cx="1733167" cy="369332"/>
+          </a:xfrm>
+          <a:prstGeom prst="rect">
+            <a:avLst/>
+          </a:prstGeom>
+          <a:noFill/>
+        </p:spPr>
+        <p:txBody>
+          <a:bodyPr wrap="none" rtlCol="0">
+            <a:spAutoFit/>
+          </a:bodyPr>
+          <a:lstStyle/>
+          <a:p>
+            <a:r>
+              <a:rPr lang="ko-KR" altLang="en-US" b="1" dirty="0" smtClean="0"/>
+              <a:t>영화 정보 화면</a:t>
+            </a:r>
+            <a:endParaRPr lang="ko-KR" altLang="en-US" b="1" dirty="0"/>
+          </a:p>
+        </p:txBody>
+      </p:sp>
+      <p:sp>
+        <p:nvSpPr>
+          <p:cNvPr id="19" name="TextBox 18"/>
+          <p:cNvSpPr txBox="1"/>
+          <p:nvPr/>
+        </p:nvSpPr>
+        <p:spPr>
+          <a:xfrm>
+            <a:off x="706876" y="3907382"/>
+            <a:ext cx="2880320" cy="1200329"/>
+          </a:xfrm>
+          <a:prstGeom prst="rect">
+            <a:avLst/>
+          </a:prstGeom>
+          <a:noFill/>
+        </p:spPr>
+        <p:txBody>
+          <a:bodyPr wrap="square" rtlCol="0">
+            <a:spAutoFit/>
+          </a:bodyPr>
+          <a:lstStyle/>
+          <a:p>
+            <a:pPr algn="just"/>
+            <a:r>
+              <a:rPr lang="ko-KR" altLang="en-US" dirty="0" smtClean="0"/>
+              <a:t>영화 상세 정보들이 표시되며</a:t>
+            </a:r>
+            <a:r>
+              <a:rPr lang="en-US" altLang="ko-KR" dirty="0" smtClean="0"/>
+              <a:t>, </a:t>
+            </a:r>
+            <a:r>
+              <a:rPr lang="ko-KR" altLang="en-US" dirty="0" smtClean="0"/>
+              <a:t>인물 정보로 바로 접속 가능하고</a:t>
+            </a:r>
+            <a:r>
+              <a:rPr lang="en-US" altLang="ko-KR" dirty="0" smtClean="0"/>
+              <a:t>, </a:t>
+            </a:r>
+            <a:r>
+              <a:rPr lang="ko-KR" altLang="en-US" dirty="0" smtClean="0"/>
+              <a:t>즐겨 찾기 추가가 가능하다</a:t>
+            </a:r>
+            <a:r>
+              <a:rPr lang="en-US" altLang="ko-KR" dirty="0" smtClean="0"/>
+              <a:t>.</a:t>
+            </a:r>
+          </a:p>
+        </p:txBody>
+      </p:sp>
+      <p:pic>
+        <p:nvPicPr>
+          <p:cNvPr id="2" name="그림 1"/>
+          <p:cNvPicPr>
+            <a:picLocks noChangeAspect="1"/>
+          </p:cNvPicPr>
+          <p:nvPr/>
+        </p:nvPicPr>
+        <p:blipFill>
+          <a:blip r:embed="rId3">
+            <a:extLst>
+              <a:ext uri="{28A0092B-C50C-407E-A947-70E740481C1C}">
+                <a14:useLocalDpi xmlns:a14="http://schemas.microsoft.com/office/drawing/2010/main" val="0"/>
+              </a:ext>
+            </a:extLst>
+          </a:blip>
+          <a:stretch>
+            <a:fillRect/>
+          </a:stretch>
+        </p:blipFill>
+        <p:spPr>
+          <a:xfrm>
+            <a:off x="5364088" y="1772816"/>
+            <a:ext cx="3569262" cy="3024336"/>
+          </a:xfrm>
+          <a:prstGeom prst="rect">
+            <a:avLst/>
+          </a:prstGeom>
+          <a:effectLst>
+            <a:outerShdw blurRad="50800" dist="38100" dir="2700000" algn="tl" rotWithShape="0">
+              <a:prstClr val="black">
+                <a:alpha val="40000"/>
+              </a:prstClr>
+            </a:outerShdw>
+          </a:effectLst>
+        </p:spPr>
+      </p:pic>
+      <p:pic>
+        <p:nvPicPr>
+          <p:cNvPr id="4" name="그림 3"/>
+          <p:cNvPicPr>
+            <a:picLocks noChangeAspect="1"/>
+          </p:cNvPicPr>
+          <p:nvPr/>
+        </p:nvPicPr>
+        <p:blipFill>
+          <a:blip r:embed="rId4">
+            <a:extLst>
+              <a:ext uri="{28A0092B-C50C-407E-A947-70E740481C1C}">
+                <a14:useLocalDpi xmlns:a14="http://schemas.microsoft.com/office/drawing/2010/main" val="0"/>
+              </a:ext>
+            </a:extLst>
+          </a:blip>
+          <a:stretch>
+            <a:fillRect/>
+          </a:stretch>
+        </p:blipFill>
+        <p:spPr>
+          <a:xfrm>
+            <a:off x="4574112" y="3907382"/>
+            <a:ext cx="3289060" cy="2786913"/>
+          </a:xfrm>
+          <a:prstGeom prst="rect">
+            <a:avLst/>
+          </a:prstGeom>
+          <a:effectLst>
+            <a:outerShdw blurRad="50800" dist="38100" dir="2700000" algn="tl" rotWithShape="0">
+              <a:prstClr val="black">
+                <a:alpha val="40000"/>
+              </a:prstClr>
+            </a:outerShdw>
+          </a:effectLst>
+        </p:spPr>
+      </p:pic>
+    </p:spTree>
+    <p:extLst>
+      <p:ext uri="{BB962C8B-B14F-4D97-AF65-F5344CB8AC3E}">
+        <p14:creationId xmlns:p14="http://schemas.microsoft.com/office/powerpoint/2010/main" val="2354571638"/>
+      </p:ext>
+    </p:extLst>
+  </p:cSld>
+  <p:clrMapOvr>
+    <a:masterClrMapping/>
+  </p:clrMapOvr>
+  <p:timing>
+    <p:tnLst>
+      <p:par>
+        <p:cTn id="1" dur="indefinite" restart="never" nodeType="tmRoot"/>
+      </p:par>
+    </p:tnLst>
+  </p:timing>
+</p:sld>
+</file>
+
+<file path=ppt/slides/slide13.xml><?xml version="1.0" encoding="utf-8"?>
+<p:sld xmlns:a="http://schemas.openxmlformats.org/drawingml/2006/main" xmlns:r="http://schemas.openxmlformats.org/officeDocument/2006/relationships" xmlns:p="http://schemas.openxmlformats.org/presentationml/2006/main">
+  <p:cSld>
+    <p:spTree>
+      <p:nvGrpSpPr>
+        <p:cNvPr id="1" name=""/>
+        <p:cNvGrpSpPr/>
+        <p:nvPr/>
+      </p:nvGrpSpPr>
+      <p:grpSpPr>
+        <a:xfrm>
+          <a:off x="0" y="0"/>
+          <a:ext cx="0" cy="0"/>
+          <a:chOff x="0" y="0"/>
+          <a:chExt cx="0" cy="0"/>
+        </a:xfrm>
+      </p:grpSpPr>
+      <p:sp>
+        <p:nvSpPr>
+          <p:cNvPr id="9" name="직사각형 8"/>
+          <p:cNvSpPr/>
+          <p:nvPr/>
+        </p:nvSpPr>
+        <p:spPr>
+          <a:xfrm>
+            <a:off x="683568" y="404664"/>
+            <a:ext cx="7848872" cy="1213300"/>
+          </a:xfrm>
+          <a:prstGeom prst="rect">
+            <a:avLst/>
+          </a:prstGeom>
+          <a:noFill/>
+          <a:ln w="76200">
+            <a:solidFill>
+              <a:srgbClr val="00E6BA"/>
+            </a:solidFill>
+          </a:ln>
+          <a:effectLst>
+            <a:outerShdw blurRad="50800" dist="38100" dir="2700000" algn="tl" rotWithShape="0">
+              <a:prstClr val="black">
+                <a:alpha val="40000"/>
+              </a:prstClr>
+            </a:outerShdw>
+          </a:effectLst>
+        </p:spPr>
+        <p:style>
+          <a:lnRef idx="2">
+            <a:schemeClr val="accent1">
+              <a:shade val="50000"/>
+            </a:schemeClr>
+          </a:lnRef>
+          <a:fillRef idx="1">
+            <a:schemeClr val="accent1"/>
+          </a:fillRef>
+          <a:effectRef idx="0">
+            <a:schemeClr val="accent1"/>
+          </a:effectRef>
+          <a:fontRef idx="minor">
+            <a:schemeClr val="lt1"/>
+          </a:fontRef>
+        </p:style>
+        <p:txBody>
+          <a:bodyPr rtlCol="0" anchor="ctr"/>
+          <a:lstStyle/>
+          <a:p>
+            <a:pPr algn="ctr"/>
+            <a:endParaRPr lang="ko-KR" altLang="en-US"/>
+          </a:p>
+        </p:txBody>
+      </p:sp>
+      <p:sp>
+        <p:nvSpPr>
+          <p:cNvPr id="10" name="TextBox 9"/>
+          <p:cNvSpPr txBox="1"/>
+          <p:nvPr/>
+        </p:nvSpPr>
+        <p:spPr>
+          <a:xfrm>
+            <a:off x="3707904" y="657371"/>
+            <a:ext cx="2417650" cy="707886"/>
+          </a:xfrm>
+          <a:prstGeom prst="rect">
+            <a:avLst/>
+          </a:prstGeom>
+          <a:noFill/>
+        </p:spPr>
+        <p:txBody>
+          <a:bodyPr wrap="none" rtlCol="0">
+            <a:spAutoFit/>
+          </a:bodyPr>
+          <a:lstStyle/>
+          <a:p>
+            <a:r>
+              <a:rPr lang="ko-KR" altLang="en-US" sz="4000" dirty="0" smtClean="0"/>
+              <a:t>구현 화면</a:t>
+            </a:r>
+            <a:endParaRPr lang="ko-KR" altLang="en-US" sz="4000" dirty="0"/>
+          </a:p>
+        </p:txBody>
+      </p:sp>
+      <p:pic>
+        <p:nvPicPr>
+          <p:cNvPr id="12" name="그림 11"/>
+          <p:cNvPicPr>
+            <a:picLocks noChangeAspect="1"/>
+          </p:cNvPicPr>
+          <p:nvPr/>
+        </p:nvPicPr>
+        <p:blipFill>
+          <a:blip r:embed="rId2" cstate="print">
+            <a:extLst>
+              <a:ext uri="{28A0092B-C50C-407E-A947-70E740481C1C}">
+                <a14:useLocalDpi xmlns:a14="http://schemas.microsoft.com/office/drawing/2010/main" val="0"/>
+              </a:ext>
+            </a:extLst>
+          </a:blip>
+          <a:stretch>
+            <a:fillRect/>
+          </a:stretch>
+        </p:blipFill>
+        <p:spPr>
+          <a:xfrm>
+            <a:off x="1187624" y="657371"/>
+            <a:ext cx="658800" cy="658800"/>
+          </a:xfrm>
+          <a:prstGeom prst="rect">
+            <a:avLst/>
+          </a:prstGeom>
+        </p:spPr>
+      </p:pic>
+      <p:sp>
+        <p:nvSpPr>
+          <p:cNvPr id="17" name="직사각형 16"/>
+          <p:cNvSpPr/>
+          <p:nvPr/>
+        </p:nvSpPr>
+        <p:spPr>
+          <a:xfrm>
+            <a:off x="323528" y="2636912"/>
+            <a:ext cx="3744416" cy="2952328"/>
+          </a:xfrm>
+          <a:prstGeom prst="rect">
+            <a:avLst/>
+          </a:prstGeom>
+          <a:noFill/>
+          <a:ln w="76200">
+            <a:solidFill>
+              <a:srgbClr val="00E6BA"/>
+            </a:solidFill>
+          </a:ln>
+          <a:effectLst>
+            <a:outerShdw blurRad="50800" dist="38100" dir="2700000" algn="tl" rotWithShape="0">
+              <a:prstClr val="black">
+                <a:alpha val="40000"/>
+              </a:prstClr>
+            </a:outerShdw>
+          </a:effectLst>
+        </p:spPr>
+        <p:style>
+          <a:lnRef idx="2">
+            <a:schemeClr val="accent1">
+              <a:shade val="50000"/>
+            </a:schemeClr>
+          </a:lnRef>
+          <a:fillRef idx="1">
+            <a:schemeClr val="accent1"/>
+          </a:fillRef>
+          <a:effectRef idx="0">
+            <a:schemeClr val="accent1"/>
+          </a:effectRef>
+          <a:fontRef idx="minor">
+            <a:schemeClr val="lt1"/>
+          </a:fontRef>
+        </p:style>
+        <p:txBody>
+          <a:bodyPr rtlCol="0" anchor="ctr"/>
+          <a:lstStyle/>
+          <a:p>
+            <a:pPr algn="ctr"/>
+            <a:endParaRPr lang="ko-KR" altLang="en-US"/>
+          </a:p>
+        </p:txBody>
+      </p:sp>
+      <p:sp>
+        <p:nvSpPr>
+          <p:cNvPr id="18" name="TextBox 17"/>
+          <p:cNvSpPr txBox="1"/>
+          <p:nvPr/>
+        </p:nvSpPr>
+        <p:spPr>
+          <a:xfrm>
+            <a:off x="1329152" y="3018689"/>
+            <a:ext cx="1733167" cy="369332"/>
+          </a:xfrm>
+          <a:prstGeom prst="rect">
+            <a:avLst/>
+          </a:prstGeom>
+          <a:noFill/>
+        </p:spPr>
+        <p:txBody>
+          <a:bodyPr wrap="none" rtlCol="0">
+            <a:spAutoFit/>
+          </a:bodyPr>
+          <a:lstStyle/>
+          <a:p>
+            <a:r>
+              <a:rPr lang="ko-KR" altLang="en-US" b="1" dirty="0" smtClean="0"/>
+              <a:t>즐겨 찾기 화면</a:t>
+            </a:r>
+            <a:endParaRPr lang="ko-KR" altLang="en-US" b="1" dirty="0"/>
+          </a:p>
+        </p:txBody>
+      </p:sp>
+      <p:sp>
+        <p:nvSpPr>
+          <p:cNvPr id="19" name="TextBox 18"/>
+          <p:cNvSpPr txBox="1"/>
+          <p:nvPr/>
+        </p:nvSpPr>
+        <p:spPr>
+          <a:xfrm>
+            <a:off x="706876" y="3907382"/>
+            <a:ext cx="2880320" cy="923330"/>
+          </a:xfrm>
+          <a:prstGeom prst="rect">
+            <a:avLst/>
+          </a:prstGeom>
+          <a:noFill/>
+        </p:spPr>
+        <p:txBody>
+          <a:bodyPr wrap="square" rtlCol="0">
+            <a:spAutoFit/>
+          </a:bodyPr>
+          <a:lstStyle/>
+          <a:p>
+            <a:pPr algn="just"/>
+            <a:r>
+              <a:rPr lang="ko-KR" altLang="en-US" dirty="0" smtClean="0"/>
+              <a:t>즐겨 찾기에 추가한 영화들이 표시되며</a:t>
+            </a:r>
+            <a:r>
+              <a:rPr lang="en-US" altLang="ko-KR" dirty="0" smtClean="0"/>
+              <a:t>, </a:t>
+            </a:r>
+            <a:r>
+              <a:rPr lang="ko-KR" altLang="en-US" dirty="0" smtClean="0"/>
+              <a:t>해당 영화 정보 조회가 가능하다</a:t>
+            </a:r>
+            <a:r>
+              <a:rPr lang="en-US" altLang="ko-KR" dirty="0" smtClean="0"/>
+              <a:t>.</a:t>
+            </a:r>
+          </a:p>
+        </p:txBody>
+      </p:sp>
+      <p:pic>
+        <p:nvPicPr>
+          <p:cNvPr id="3" name="그림 2"/>
+          <p:cNvPicPr>
+            <a:picLocks noChangeAspect="1"/>
+          </p:cNvPicPr>
+          <p:nvPr/>
+        </p:nvPicPr>
+        <p:blipFill>
+          <a:blip r:embed="rId3">
+            <a:extLst>
+              <a:ext uri="{28A0092B-C50C-407E-A947-70E740481C1C}">
+                <a14:useLocalDpi xmlns:a14="http://schemas.microsoft.com/office/drawing/2010/main" val="0"/>
+              </a:ext>
+            </a:extLst>
+          </a:blip>
+          <a:stretch>
+            <a:fillRect/>
+          </a:stretch>
+        </p:blipFill>
+        <p:spPr>
+          <a:xfrm>
+            <a:off x="5364088" y="1870671"/>
+            <a:ext cx="3448627" cy="3234427"/>
+          </a:xfrm>
+          <a:prstGeom prst="rect">
+            <a:avLst/>
+          </a:prstGeom>
+          <a:effectLst>
+            <a:outerShdw blurRad="50800" dist="38100" dir="2700000" algn="tl" rotWithShape="0">
+              <a:prstClr val="black">
+                <a:alpha val="40000"/>
+              </a:prstClr>
+            </a:outerShdw>
+          </a:effectLst>
+        </p:spPr>
+      </p:pic>
+      <p:pic>
+        <p:nvPicPr>
+          <p:cNvPr id="4" name="그림 3"/>
+          <p:cNvPicPr>
+            <a:picLocks noChangeAspect="1"/>
+          </p:cNvPicPr>
+          <p:nvPr/>
+        </p:nvPicPr>
+        <p:blipFill>
+          <a:blip r:embed="rId4" cstate="print">
+            <a:extLst>
+              <a:ext uri="{28A0092B-C50C-407E-A947-70E740481C1C}">
+                <a14:useLocalDpi xmlns:a14="http://schemas.microsoft.com/office/drawing/2010/main" val="0"/>
+              </a:ext>
+            </a:extLst>
+          </a:blip>
+          <a:stretch>
+            <a:fillRect/>
+          </a:stretch>
+        </p:blipFill>
+        <p:spPr>
+          <a:xfrm>
+            <a:off x="4355976" y="4077072"/>
+            <a:ext cx="2880320" cy="2440576"/>
+          </a:xfrm>
+          <a:prstGeom prst="rect">
+            <a:avLst/>
+          </a:prstGeom>
+          <a:effectLst>
+            <a:outerShdw blurRad="50800" dist="38100" dir="2700000" algn="tl" rotWithShape="0">
+              <a:prstClr val="black">
+                <a:alpha val="40000"/>
+              </a:prstClr>
+            </a:outerShdw>
+          </a:effectLst>
+        </p:spPr>
+      </p:pic>
+    </p:spTree>
+    <p:extLst>
+      <p:ext uri="{BB962C8B-B14F-4D97-AF65-F5344CB8AC3E}">
+        <p14:creationId xmlns:p14="http://schemas.microsoft.com/office/powerpoint/2010/main" val="4027743848"/>
+      </p:ext>
+    </p:extLst>
+  </p:cSld>
+  <p:clrMapOvr>
+    <a:masterClrMapping/>
+  </p:clrMapOvr>
+  <p:timing>
+    <p:tnLst>
+      <p:par>
+        <p:cTn id="1" dur="indefinite" restart="never" nodeType="tmRoot"/>
+      </p:par>
+    </p:tnLst>
+  </p:timing>
+</p:sld>
+</file>
+
+<file path=ppt/slides/slide14.xml><?xml version="1.0" encoding="utf-8"?>
 <p:sld xmlns:a="http://schemas.openxmlformats.org/drawingml/2006/main" xmlns:r="http://schemas.openxmlformats.org/officeDocument/2006/relationships" xmlns:p="http://schemas.openxmlformats.org/presentationml/2006/main">
   <p:cSld>
     <p:spTree>
@@ -3434,15 +4779,15 @@
       </p:grpSpPr>
       <p:grpSp>
         <p:nvGrpSpPr>
-          <p:cNvPr id="7" name="그룹 6"/>
+          <p:cNvPr id="8" name="그룹 7"/>
           <p:cNvGrpSpPr/>
           <p:nvPr/>
         </p:nvGrpSpPr>
         <p:grpSpPr>
           <a:xfrm>
-            <a:off x="683568" y="548680"/>
+            <a:off x="683568" y="332656"/>
             <a:ext cx="7848872" cy="1213300"/>
-            <a:chOff x="683568" y="198506"/>
+            <a:chOff x="683568" y="404664"/>
             <a:chExt cx="7848872" cy="1213300"/>
           </a:xfrm>
         </p:grpSpPr>
@@ -3454,7 +4799,7 @@
           </p:nvSpPr>
           <p:spPr>
             <a:xfrm>
-              <a:off x="683568" y="198506"/>
+              <a:off x="683568" y="404664"/>
               <a:ext cx="7848872" cy="1213300"/>
             </a:xfrm>
             <a:prstGeom prst="rect">
@@ -3463,12 +4808,19 @@
             <a:noFill/>
             <a:ln w="76200">
               <a:solidFill>
-                <a:schemeClr val="accent2">
-                  <a:lumMod val="60000"/>
-                  <a:lumOff val="40000"/>
+                <a:schemeClr val="tx1">
+                  <a:lumMod val="65000"/>
+                  <a:lumOff val="35000"/>
                 </a:schemeClr>
               </a:solidFill>
             </a:ln>
+            <a:effectLst>
+              <a:outerShdw blurRad="50800" dist="38100" dir="2700000" algn="tl" rotWithShape="0">
+                <a:prstClr val="black">
+                  <a:alpha val="40000"/>
+                </a:prstClr>
+              </a:outerShdw>
+            </a:effectLst>
           </p:spPr>
           <p:style>
             <a:lnRef idx="2">
@@ -3495,6 +4847,36 @@
             </a:p>
           </p:txBody>
         </p:sp>
+        <p:sp>
+          <p:nvSpPr>
+            <p:cNvPr id="6" name="TextBox 5"/>
+            <p:cNvSpPr txBox="1"/>
+            <p:nvPr/>
+          </p:nvSpPr>
+          <p:spPr>
+            <a:xfrm>
+              <a:off x="3275856" y="657371"/>
+              <a:ext cx="3443571" cy="707886"/>
+            </a:xfrm>
+            <a:prstGeom prst="rect">
+              <a:avLst/>
+            </a:prstGeom>
+            <a:noFill/>
+          </p:spPr>
+          <p:txBody>
+            <a:bodyPr wrap="none" rtlCol="0">
+              <a:spAutoFit/>
+            </a:bodyPr>
+            <a:lstStyle/>
+            <a:p>
+              <a:r>
+                <a:rPr lang="ko-KR" altLang="en-US" sz="4000" dirty="0" smtClean="0"/>
+                <a:t>테스트 케이스</a:t>
+              </a:r>
+              <a:endParaRPr lang="ko-KR" altLang="en-US" sz="4000" dirty="0"/>
+            </a:p>
+          </p:txBody>
+        </p:sp>
         <p:pic>
           <p:nvPicPr>
             <p:cNvPr id="2" name="그림 1"/>
@@ -3517,45 +4899,947 @@
           </p:blipFill>
           <p:spPr>
             <a:xfrm>
-              <a:off x="1076081" y="476671"/>
-              <a:ext cx="656969" cy="656969"/>
+              <a:off x="1197913" y="657371"/>
+              <a:ext cx="658800" cy="658800"/>
             </a:xfrm>
             <a:prstGeom prst="rect">
               <a:avLst/>
             </a:prstGeom>
           </p:spPr>
         </p:pic>
-        <p:sp>
-          <p:nvSpPr>
-            <p:cNvPr id="3" name="TextBox 2"/>
-            <p:cNvSpPr txBox="1"/>
-            <p:nvPr/>
-          </p:nvSpPr>
-          <p:spPr>
-            <a:xfrm>
-              <a:off x="4139952" y="425754"/>
-              <a:ext cx="1391728" cy="707886"/>
-            </a:xfrm>
-            <a:prstGeom prst="rect">
-              <a:avLst/>
-            </a:prstGeom>
-            <a:noFill/>
-          </p:spPr>
-          <p:txBody>
-            <a:bodyPr wrap="none" rtlCol="0">
-              <a:spAutoFit/>
-            </a:bodyPr>
-            <a:lstStyle/>
-            <a:p>
-              <a:r>
-                <a:rPr lang="ko-KR" altLang="en-US" sz="4000" dirty="0" smtClean="0"/>
-                <a:t>목 차</a:t>
-              </a:r>
-              <a:endParaRPr lang="ko-KR" altLang="en-US" sz="4000" dirty="0"/>
-            </a:p>
-          </p:txBody>
-        </p:sp>
       </p:grpSp>
+      <p:graphicFrame>
+        <p:nvGraphicFramePr>
+          <p:cNvPr id="7" name="표 6"/>
+          <p:cNvGraphicFramePr>
+            <a:graphicFrameLocks noGrp="1"/>
+          </p:cNvGraphicFramePr>
+          <p:nvPr>
+            <p:extLst>
+              <p:ext uri="{D42A27DB-BD31-4B8C-83A1-F6EECF244321}">
+                <p14:modId xmlns:p14="http://schemas.microsoft.com/office/powerpoint/2010/main" val="1540036410"/>
+              </p:ext>
+            </p:extLst>
+          </p:nvPr>
+        </p:nvGraphicFramePr>
+        <p:xfrm>
+          <a:off x="323528" y="1870669"/>
+          <a:ext cx="8496945" cy="4510658"/>
+        </p:xfrm>
+        <a:graphic>
+          <a:graphicData uri="http://schemas.openxmlformats.org/drawingml/2006/table">
+            <a:tbl>
+              <a:tblPr firstRow="1" bandRow="1">
+                <a:effectLst>
+                  <a:outerShdw blurRad="50800" dist="38100" dir="2700000" algn="tl" rotWithShape="0">
+                    <a:prstClr val="black">
+                      <a:alpha val="40000"/>
+                    </a:prstClr>
+                  </a:outerShdw>
+                </a:effectLst>
+                <a:tableStyleId>{5C22544A-7EE6-4342-B048-85BDC9FD1C3A}</a:tableStyleId>
+              </a:tblPr>
+              <a:tblGrid>
+                <a:gridCol w="1800200">
+                  <a:extLst>
+                    <a:ext uri="{9D8B030D-6E8A-4147-A177-3AD203B41FA5}">
+                      <a16:colId xmlns:a16="http://schemas.microsoft.com/office/drawing/2014/main" val="3257667814"/>
+                    </a:ext>
+                  </a:extLst>
+                </a:gridCol>
+                <a:gridCol w="5400600">
+                  <a:extLst>
+                    <a:ext uri="{9D8B030D-6E8A-4147-A177-3AD203B41FA5}">
+                      <a16:colId xmlns:a16="http://schemas.microsoft.com/office/drawing/2014/main" val="762002080"/>
+                    </a:ext>
+                  </a:extLst>
+                </a:gridCol>
+                <a:gridCol w="1296145">
+                  <a:extLst>
+                    <a:ext uri="{9D8B030D-6E8A-4147-A177-3AD203B41FA5}">
+                      <a16:colId xmlns:a16="http://schemas.microsoft.com/office/drawing/2014/main" val="2684596132"/>
+                    </a:ext>
+                  </a:extLst>
+                </a:gridCol>
+              </a:tblGrid>
+              <a:tr h="647384">
+                <a:tc>
+                  <a:txBody>
+                    <a:bodyPr/>
+                    <a:lstStyle/>
+                    <a:p>
+                      <a:pPr algn="ctr" latinLnBrk="1"/>
+                      <a:r>
+                        <a:rPr lang="ko-KR" altLang="en-US" dirty="0" smtClean="0"/>
+                        <a:t>분류</a:t>
+                      </a:r>
+                      <a:endParaRPr lang="ko-KR" altLang="en-US" dirty="0"/>
+                    </a:p>
+                  </a:txBody>
+                  <a:tcPr/>
+                </a:tc>
+                <a:tc>
+                  <a:txBody>
+                    <a:bodyPr/>
+                    <a:lstStyle/>
+                    <a:p>
+                      <a:pPr algn="ctr" latinLnBrk="1"/>
+                      <a:r>
+                        <a:rPr lang="ko-KR" altLang="en-US" dirty="0" smtClean="0"/>
+                        <a:t>조건</a:t>
+                      </a:r>
+                      <a:endParaRPr lang="ko-KR" altLang="en-US" dirty="0"/>
+                    </a:p>
+                  </a:txBody>
+                  <a:tcPr/>
+                </a:tc>
+                <a:tc>
+                  <a:txBody>
+                    <a:bodyPr/>
+                    <a:lstStyle/>
+                    <a:p>
+                      <a:pPr algn="ctr" latinLnBrk="1"/>
+                      <a:r>
+                        <a:rPr lang="ko-KR" altLang="en-US" dirty="0" smtClean="0"/>
+                        <a:t>결과</a:t>
+                      </a:r>
+                      <a:endParaRPr lang="ko-KR" altLang="en-US" dirty="0"/>
+                    </a:p>
+                  </a:txBody>
+                  <a:tcPr/>
+                </a:tc>
+                <a:extLst>
+                  <a:ext uri="{0D108BD9-81ED-4DB2-BD59-A6C34878D82A}">
+                    <a16:rowId xmlns:a16="http://schemas.microsoft.com/office/drawing/2014/main" val="305162203"/>
+                  </a:ext>
+                </a:extLst>
+              </a:tr>
+              <a:tr h="647384">
+                <a:tc>
+                  <a:txBody>
+                    <a:bodyPr/>
+                    <a:lstStyle/>
+                    <a:p>
+                      <a:pPr latinLnBrk="1"/>
+                      <a:r>
+                        <a:rPr lang="en-US" altLang="ko-KR" dirty="0" smtClean="0"/>
+                        <a:t>API</a:t>
+                      </a:r>
+                      <a:r>
+                        <a:rPr lang="en-US" altLang="ko-KR" baseline="0" dirty="0" smtClean="0"/>
+                        <a:t> </a:t>
+                      </a:r>
+                      <a:r>
+                        <a:rPr lang="ko-KR" altLang="en-US" baseline="0" dirty="0" smtClean="0"/>
+                        <a:t>접속</a:t>
+                      </a:r>
+                      <a:endParaRPr lang="ko-KR" altLang="en-US" dirty="0"/>
+                    </a:p>
+                  </a:txBody>
+                  <a:tcPr/>
+                </a:tc>
+                <a:tc>
+                  <a:txBody>
+                    <a:bodyPr/>
+                    <a:lstStyle/>
+                    <a:p>
+                      <a:pPr latinLnBrk="1"/>
+                      <a:r>
+                        <a:rPr lang="en-US" altLang="ko-KR" dirty="0" smtClean="0"/>
+                        <a:t>API</a:t>
+                      </a:r>
+                      <a:r>
+                        <a:rPr lang="ko-KR" altLang="en-US" dirty="0" smtClean="0"/>
+                        <a:t>에 접속하여 정보를 불러올 수 있습니까</a:t>
+                      </a:r>
+                      <a:r>
+                        <a:rPr lang="en-US" altLang="ko-KR" dirty="0" smtClean="0"/>
+                        <a:t>?</a:t>
+                      </a:r>
+                      <a:endParaRPr lang="ko-KR" altLang="en-US" dirty="0"/>
+                    </a:p>
+                  </a:txBody>
+                  <a:tcPr/>
+                </a:tc>
+                <a:tc>
+                  <a:txBody>
+                    <a:bodyPr/>
+                    <a:lstStyle/>
+                    <a:p>
+                      <a:pPr algn="ctr" latinLnBrk="1"/>
+                      <a:r>
+                        <a:rPr lang="en-US" altLang="ko-KR" dirty="0" smtClean="0"/>
+                        <a:t>O</a:t>
+                      </a:r>
+                      <a:endParaRPr lang="ko-KR" altLang="en-US" dirty="0"/>
+                    </a:p>
+                  </a:txBody>
+                  <a:tcPr/>
+                </a:tc>
+                <a:extLst>
+                  <a:ext uri="{0D108BD9-81ED-4DB2-BD59-A6C34878D82A}">
+                    <a16:rowId xmlns:a16="http://schemas.microsoft.com/office/drawing/2014/main" val="1852117686"/>
+                  </a:ext>
+                </a:extLst>
+              </a:tr>
+              <a:tr h="647384">
+                <a:tc>
+                  <a:txBody>
+                    <a:bodyPr/>
+                    <a:lstStyle/>
+                    <a:p>
+                      <a:pPr latinLnBrk="1"/>
+                      <a:r>
+                        <a:rPr lang="ko-KR" altLang="en-US" dirty="0" smtClean="0"/>
+                        <a:t>영화검색</a:t>
+                      </a:r>
+                      <a:endParaRPr lang="ko-KR" altLang="en-US" dirty="0"/>
+                    </a:p>
+                  </a:txBody>
+                  <a:tcPr/>
+                </a:tc>
+                <a:tc>
+                  <a:txBody>
+                    <a:bodyPr/>
+                    <a:lstStyle/>
+                    <a:p>
+                      <a:pPr latinLnBrk="1"/>
+                      <a:r>
+                        <a:rPr lang="ko-KR" altLang="en-US" dirty="0" smtClean="0"/>
+                        <a:t>영화를 검색하고</a:t>
+                      </a:r>
+                      <a:r>
+                        <a:rPr lang="en-US" altLang="ko-KR" dirty="0" smtClean="0"/>
+                        <a:t>, </a:t>
+                      </a:r>
+                      <a:r>
+                        <a:rPr lang="ko-KR" altLang="en-US" dirty="0" smtClean="0"/>
+                        <a:t>포스터를 불러옵니까</a:t>
+                      </a:r>
+                      <a:r>
+                        <a:rPr lang="en-US" altLang="ko-KR" dirty="0" smtClean="0"/>
+                        <a:t>?</a:t>
+                      </a:r>
+                      <a:endParaRPr lang="ko-KR" altLang="en-US" dirty="0"/>
+                    </a:p>
+                  </a:txBody>
+                  <a:tcPr/>
+                </a:tc>
+                <a:tc>
+                  <a:txBody>
+                    <a:bodyPr/>
+                    <a:lstStyle/>
+                    <a:p>
+                      <a:pPr algn="ctr" latinLnBrk="1"/>
+                      <a:r>
+                        <a:rPr lang="en-US" altLang="ko-KR" dirty="0" smtClean="0"/>
+                        <a:t>O</a:t>
+                      </a:r>
+                      <a:endParaRPr lang="ko-KR" altLang="en-US" dirty="0"/>
+                    </a:p>
+                  </a:txBody>
+                  <a:tcPr/>
+                </a:tc>
+                <a:extLst>
+                  <a:ext uri="{0D108BD9-81ED-4DB2-BD59-A6C34878D82A}">
+                    <a16:rowId xmlns:a16="http://schemas.microsoft.com/office/drawing/2014/main" val="1679152412"/>
+                  </a:ext>
+                </a:extLst>
+              </a:tr>
+              <a:tr h="647384">
+                <a:tc>
+                  <a:txBody>
+                    <a:bodyPr/>
+                    <a:lstStyle/>
+                    <a:p>
+                      <a:pPr latinLnBrk="1"/>
+                      <a:r>
+                        <a:rPr lang="ko-KR" altLang="en-US" dirty="0" smtClean="0"/>
+                        <a:t>정보 연동</a:t>
+                      </a:r>
+                      <a:endParaRPr lang="ko-KR" altLang="en-US" dirty="0"/>
+                    </a:p>
+                  </a:txBody>
+                  <a:tcPr/>
+                </a:tc>
+                <a:tc>
+                  <a:txBody>
+                    <a:bodyPr/>
+                    <a:lstStyle/>
+                    <a:p>
+                      <a:pPr latinLnBrk="1"/>
+                      <a:r>
+                        <a:rPr lang="ko-KR" altLang="en-US" dirty="0" smtClean="0"/>
+                        <a:t>영화 상세정보에서 인물 상세정보를 불러옵니까</a:t>
+                      </a:r>
+                      <a:r>
+                        <a:rPr lang="en-US" altLang="ko-KR" dirty="0" smtClean="0"/>
+                        <a:t>?</a:t>
+                      </a:r>
+                      <a:endParaRPr lang="ko-KR" altLang="en-US" dirty="0"/>
+                    </a:p>
+                  </a:txBody>
+                  <a:tcPr/>
+                </a:tc>
+                <a:tc>
+                  <a:txBody>
+                    <a:bodyPr/>
+                    <a:lstStyle/>
+                    <a:p>
+                      <a:pPr algn="ctr" latinLnBrk="1"/>
+                      <a:r>
+                        <a:rPr lang="en-US" altLang="ko-KR" dirty="0" smtClean="0"/>
+                        <a:t>O</a:t>
+                      </a:r>
+                      <a:endParaRPr lang="ko-KR" altLang="en-US" dirty="0"/>
+                    </a:p>
+                  </a:txBody>
+                  <a:tcPr/>
+                </a:tc>
+                <a:extLst>
+                  <a:ext uri="{0D108BD9-81ED-4DB2-BD59-A6C34878D82A}">
+                    <a16:rowId xmlns:a16="http://schemas.microsoft.com/office/drawing/2014/main" val="4276586407"/>
+                  </a:ext>
+                </a:extLst>
+              </a:tr>
+              <a:tr h="647384">
+                <a:tc>
+                  <a:txBody>
+                    <a:bodyPr/>
+                    <a:lstStyle/>
+                    <a:p>
+                      <a:pPr latinLnBrk="1"/>
+                      <a:r>
+                        <a:rPr lang="ko-KR" altLang="en-US" dirty="0" smtClean="0"/>
+                        <a:t>즐겨 찾기</a:t>
+                      </a:r>
+                      <a:endParaRPr lang="ko-KR" altLang="en-US" dirty="0"/>
+                    </a:p>
+                  </a:txBody>
+                  <a:tcPr/>
+                </a:tc>
+                <a:tc>
+                  <a:txBody>
+                    <a:bodyPr/>
+                    <a:lstStyle/>
+                    <a:p>
+                      <a:pPr latinLnBrk="1"/>
+                      <a:r>
+                        <a:rPr lang="ko-KR" altLang="en-US" dirty="0" smtClean="0"/>
+                        <a:t>즐겨 찾기 버튼을 눌러 </a:t>
+                      </a:r>
+                      <a:r>
+                        <a:rPr lang="en-US" altLang="ko-KR" dirty="0" smtClean="0"/>
+                        <a:t>xml</a:t>
+                      </a:r>
+                      <a:r>
+                        <a:rPr lang="ko-KR" altLang="en-US" dirty="0" smtClean="0"/>
+                        <a:t>파일에 저장 가능합니까</a:t>
+                      </a:r>
+                      <a:endParaRPr lang="ko-KR" altLang="en-US" dirty="0"/>
+                    </a:p>
+                  </a:txBody>
+                  <a:tcPr/>
+                </a:tc>
+                <a:tc>
+                  <a:txBody>
+                    <a:bodyPr/>
+                    <a:lstStyle/>
+                    <a:p>
+                      <a:pPr algn="ctr" latinLnBrk="1"/>
+                      <a:r>
+                        <a:rPr lang="en-US" altLang="ko-KR" dirty="0" smtClean="0"/>
+                        <a:t>O</a:t>
+                      </a:r>
+                      <a:endParaRPr lang="ko-KR" altLang="en-US" dirty="0"/>
+                    </a:p>
+                  </a:txBody>
+                  <a:tcPr/>
+                </a:tc>
+                <a:extLst>
+                  <a:ext uri="{0D108BD9-81ED-4DB2-BD59-A6C34878D82A}">
+                    <a16:rowId xmlns:a16="http://schemas.microsoft.com/office/drawing/2014/main" val="1081561529"/>
+                  </a:ext>
+                </a:extLst>
+              </a:tr>
+              <a:tr h="636869">
+                <a:tc>
+                  <a:txBody>
+                    <a:bodyPr/>
+                    <a:lstStyle/>
+                    <a:p>
+                      <a:pPr latinLnBrk="1"/>
+                      <a:r>
+                        <a:rPr lang="ko-KR" altLang="en-US" dirty="0" smtClean="0"/>
+                        <a:t>즐겨 찾기 정보</a:t>
+                      </a:r>
+                      <a:endParaRPr lang="ko-KR" altLang="en-US" dirty="0"/>
+                    </a:p>
+                  </a:txBody>
+                  <a:tcPr/>
+                </a:tc>
+                <a:tc>
+                  <a:txBody>
+                    <a:bodyPr/>
+                    <a:lstStyle/>
+                    <a:p>
+                      <a:pPr latinLnBrk="1"/>
+                      <a:r>
+                        <a:rPr lang="ko-KR" altLang="en-US" dirty="0" smtClean="0"/>
+                        <a:t>즐겨 찾기 한 영화들을 제대로 불러옵니까</a:t>
+                      </a:r>
+                      <a:r>
+                        <a:rPr lang="en-US" altLang="ko-KR" dirty="0" smtClean="0"/>
+                        <a:t>?</a:t>
+                      </a:r>
+                      <a:endParaRPr lang="ko-KR" altLang="en-US" dirty="0"/>
+                    </a:p>
+                  </a:txBody>
+                  <a:tcPr/>
+                </a:tc>
+                <a:tc>
+                  <a:txBody>
+                    <a:bodyPr/>
+                    <a:lstStyle/>
+                    <a:p>
+                      <a:pPr algn="ctr" latinLnBrk="1"/>
+                      <a:r>
+                        <a:rPr lang="en-US" altLang="ko-KR" dirty="0" smtClean="0"/>
+                        <a:t>O</a:t>
+                      </a:r>
+                      <a:endParaRPr lang="ko-KR" altLang="en-US" dirty="0"/>
+                    </a:p>
+                  </a:txBody>
+                  <a:tcPr/>
+                </a:tc>
+                <a:extLst>
+                  <a:ext uri="{0D108BD9-81ED-4DB2-BD59-A6C34878D82A}">
+                    <a16:rowId xmlns:a16="http://schemas.microsoft.com/office/drawing/2014/main" val="2613426212"/>
+                  </a:ext>
+                </a:extLst>
+              </a:tr>
+              <a:tr h="636869">
+                <a:tc>
+                  <a:txBody>
+                    <a:bodyPr/>
+                    <a:lstStyle/>
+                    <a:p>
+                      <a:pPr marL="0" marR="0" indent="0" algn="l" defTabSz="914400" rtl="0" eaLnBrk="1" fontAlgn="auto" latinLnBrk="1" hangingPunct="1">
+                        <a:lnSpc>
+                          <a:spcPct val="100000"/>
+                        </a:lnSpc>
+                        <a:spcBef>
+                          <a:spcPts val="0"/>
+                        </a:spcBef>
+                        <a:spcAft>
+                          <a:spcPts val="0"/>
+                        </a:spcAft>
+                        <a:buClrTx/>
+                        <a:buSzTx/>
+                        <a:buFontTx/>
+                        <a:buNone/>
+                        <a:tabLst/>
+                        <a:defRPr/>
+                      </a:pPr>
+                      <a:endParaRPr lang="ko-KR" altLang="en-US" dirty="0" smtClean="0"/>
+                    </a:p>
+                  </a:txBody>
+                  <a:tcPr/>
+                </a:tc>
+                <a:tc>
+                  <a:txBody>
+                    <a:bodyPr/>
+                    <a:lstStyle/>
+                    <a:p>
+                      <a:pPr latinLnBrk="1"/>
+                      <a:r>
+                        <a:rPr lang="ko-KR" altLang="en-US" dirty="0" smtClean="0"/>
+                        <a:t>즐겨 찾기 한 영화들의 상세 정보를 불러옵니까</a:t>
+                      </a:r>
+                      <a:r>
+                        <a:rPr lang="en-US" altLang="ko-KR" dirty="0" smtClean="0"/>
+                        <a:t>?</a:t>
+                      </a:r>
+                      <a:endParaRPr lang="ko-KR" altLang="en-US" dirty="0"/>
+                    </a:p>
+                  </a:txBody>
+                  <a:tcPr/>
+                </a:tc>
+                <a:tc>
+                  <a:txBody>
+                    <a:bodyPr/>
+                    <a:lstStyle/>
+                    <a:p>
+                      <a:pPr algn="ctr" latinLnBrk="1"/>
+                      <a:r>
+                        <a:rPr lang="en-US" altLang="ko-KR" dirty="0" smtClean="0"/>
+                        <a:t>O</a:t>
+                      </a:r>
+                      <a:endParaRPr lang="ko-KR" altLang="en-US" dirty="0"/>
+                    </a:p>
+                  </a:txBody>
+                  <a:tcPr/>
+                </a:tc>
+                <a:extLst>
+                  <a:ext uri="{0D108BD9-81ED-4DB2-BD59-A6C34878D82A}">
+                    <a16:rowId xmlns:a16="http://schemas.microsoft.com/office/drawing/2014/main" val="712591483"/>
+                  </a:ext>
+                </a:extLst>
+              </a:tr>
+            </a:tbl>
+          </a:graphicData>
+        </a:graphic>
+      </p:graphicFrame>
+    </p:spTree>
+    <p:extLst>
+      <p:ext uri="{BB962C8B-B14F-4D97-AF65-F5344CB8AC3E}">
+        <p14:creationId xmlns:p14="http://schemas.microsoft.com/office/powerpoint/2010/main" val="4169145304"/>
+      </p:ext>
+    </p:extLst>
+  </p:cSld>
+  <p:clrMapOvr>
+    <a:masterClrMapping/>
+  </p:clrMapOvr>
+  <p:timing>
+    <p:tnLst>
+      <p:par>
+        <p:cTn id="1" dur="indefinite" restart="never" nodeType="tmRoot"/>
+      </p:par>
+    </p:tnLst>
+  </p:timing>
+</p:sld>
+</file>
+
+<file path=ppt/slides/slide15.xml><?xml version="1.0" encoding="utf-8"?>
+<p:sld xmlns:a="http://schemas.openxmlformats.org/drawingml/2006/main" xmlns:r="http://schemas.openxmlformats.org/officeDocument/2006/relationships" xmlns:p="http://schemas.openxmlformats.org/presentationml/2006/main">
+  <p:cSld>
+    <p:spTree>
+      <p:nvGrpSpPr>
+        <p:cNvPr id="1" name=""/>
+        <p:cNvGrpSpPr/>
+        <p:nvPr/>
+      </p:nvGrpSpPr>
+      <p:grpSpPr>
+        <a:xfrm>
+          <a:off x="0" y="0"/>
+          <a:ext cx="0" cy="0"/>
+          <a:chOff x="0" y="0"/>
+          <a:chExt cx="0" cy="0"/>
+        </a:xfrm>
+      </p:grpSpPr>
+      <p:sp>
+        <p:nvSpPr>
+          <p:cNvPr id="9" name="직사각형 8"/>
+          <p:cNvSpPr/>
+          <p:nvPr/>
+        </p:nvSpPr>
+        <p:spPr>
+          <a:xfrm>
+            <a:off x="35496" y="44624"/>
+            <a:ext cx="9073008" cy="6768752"/>
+          </a:xfrm>
+          <a:prstGeom prst="rect">
+            <a:avLst/>
+          </a:prstGeom>
+          <a:noFill/>
+          <a:ln w="76200">
+            <a:solidFill>
+              <a:schemeClr val="accent2">
+                <a:lumMod val="60000"/>
+                <a:lumOff val="40000"/>
+              </a:schemeClr>
+            </a:solidFill>
+          </a:ln>
+          <a:effectLst/>
+        </p:spPr>
+        <p:style>
+          <a:lnRef idx="2">
+            <a:schemeClr val="accent1">
+              <a:shade val="50000"/>
+            </a:schemeClr>
+          </a:lnRef>
+          <a:fillRef idx="1">
+            <a:schemeClr val="accent1"/>
+          </a:fillRef>
+          <a:effectRef idx="0">
+            <a:schemeClr val="accent1"/>
+          </a:effectRef>
+          <a:fontRef idx="minor">
+            <a:schemeClr val="lt1"/>
+          </a:fontRef>
+        </p:style>
+        <p:txBody>
+          <a:bodyPr rtlCol="0" anchor="ctr"/>
+          <a:lstStyle/>
+          <a:p>
+            <a:pPr algn="ctr"/>
+            <a:endParaRPr lang="ko-KR" altLang="en-US"/>
+          </a:p>
+        </p:txBody>
+      </p:sp>
+      <p:sp>
+        <p:nvSpPr>
+          <p:cNvPr id="10" name="직사각형 9"/>
+          <p:cNvSpPr/>
+          <p:nvPr/>
+        </p:nvSpPr>
+        <p:spPr>
+          <a:xfrm>
+            <a:off x="323528" y="332656"/>
+            <a:ext cx="8496944" cy="6192688"/>
+          </a:xfrm>
+          <a:prstGeom prst="rect">
+            <a:avLst/>
+          </a:prstGeom>
+          <a:noFill/>
+          <a:ln w="76200">
+            <a:solidFill>
+              <a:srgbClr val="FFC000"/>
+            </a:solidFill>
+          </a:ln>
+          <a:effectLst/>
+        </p:spPr>
+        <p:style>
+          <a:lnRef idx="2">
+            <a:schemeClr val="accent1">
+              <a:shade val="50000"/>
+            </a:schemeClr>
+          </a:lnRef>
+          <a:fillRef idx="1">
+            <a:schemeClr val="accent1"/>
+          </a:fillRef>
+          <a:effectRef idx="0">
+            <a:schemeClr val="accent1"/>
+          </a:effectRef>
+          <a:fontRef idx="minor">
+            <a:schemeClr val="lt1"/>
+          </a:fontRef>
+        </p:style>
+        <p:txBody>
+          <a:bodyPr rtlCol="0" anchor="ctr"/>
+          <a:lstStyle/>
+          <a:p>
+            <a:pPr algn="ctr"/>
+            <a:endParaRPr lang="ko-KR" altLang="en-US"/>
+          </a:p>
+        </p:txBody>
+      </p:sp>
+      <p:sp>
+        <p:nvSpPr>
+          <p:cNvPr id="11" name="직사각형 10"/>
+          <p:cNvSpPr/>
+          <p:nvPr/>
+        </p:nvSpPr>
+        <p:spPr>
+          <a:xfrm>
+            <a:off x="611560" y="620688"/>
+            <a:ext cx="7920880" cy="5616624"/>
+          </a:xfrm>
+          <a:prstGeom prst="rect">
+            <a:avLst/>
+          </a:prstGeom>
+          <a:noFill/>
+          <a:ln w="76200">
+            <a:solidFill>
+              <a:schemeClr val="tx1">
+                <a:lumMod val="65000"/>
+                <a:lumOff val="35000"/>
+              </a:schemeClr>
+            </a:solidFill>
+          </a:ln>
+          <a:effectLst/>
+        </p:spPr>
+        <p:style>
+          <a:lnRef idx="2">
+            <a:schemeClr val="accent1">
+              <a:shade val="50000"/>
+            </a:schemeClr>
+          </a:lnRef>
+          <a:fillRef idx="1">
+            <a:schemeClr val="accent1"/>
+          </a:fillRef>
+          <a:effectRef idx="0">
+            <a:schemeClr val="accent1"/>
+          </a:effectRef>
+          <a:fontRef idx="minor">
+            <a:schemeClr val="lt1"/>
+          </a:fontRef>
+        </p:style>
+        <p:txBody>
+          <a:bodyPr rtlCol="0" anchor="ctr"/>
+          <a:lstStyle/>
+          <a:p>
+            <a:pPr algn="ctr"/>
+            <a:endParaRPr lang="ko-KR" altLang="en-US"/>
+          </a:p>
+        </p:txBody>
+      </p:sp>
+      <p:sp>
+        <p:nvSpPr>
+          <p:cNvPr id="12" name="직사각형 11"/>
+          <p:cNvSpPr/>
+          <p:nvPr/>
+        </p:nvSpPr>
+        <p:spPr>
+          <a:xfrm>
+            <a:off x="899592" y="908720"/>
+            <a:ext cx="7344816" cy="5040560"/>
+          </a:xfrm>
+          <a:prstGeom prst="rect">
+            <a:avLst/>
+          </a:prstGeom>
+          <a:noFill/>
+          <a:ln w="76200">
+            <a:solidFill>
+              <a:srgbClr val="00E6BA"/>
+            </a:solidFill>
+          </a:ln>
+          <a:effectLst/>
+        </p:spPr>
+        <p:style>
+          <a:lnRef idx="2">
+            <a:schemeClr val="accent1">
+              <a:shade val="50000"/>
+            </a:schemeClr>
+          </a:lnRef>
+          <a:fillRef idx="1">
+            <a:schemeClr val="accent1"/>
+          </a:fillRef>
+          <a:effectRef idx="0">
+            <a:schemeClr val="accent1"/>
+          </a:effectRef>
+          <a:fontRef idx="minor">
+            <a:schemeClr val="lt1"/>
+          </a:fontRef>
+        </p:style>
+        <p:txBody>
+          <a:bodyPr rtlCol="0" anchor="ctr"/>
+          <a:lstStyle/>
+          <a:p>
+            <a:pPr algn="ctr"/>
+            <a:endParaRPr lang="ko-KR" altLang="en-US"/>
+          </a:p>
+        </p:txBody>
+      </p:sp>
+      <p:pic>
+        <p:nvPicPr>
+          <p:cNvPr id="3" name="그림 2"/>
+          <p:cNvPicPr>
+            <a:picLocks noChangeAspect="1"/>
+          </p:cNvPicPr>
+          <p:nvPr/>
+        </p:nvPicPr>
+        <p:blipFill>
+          <a:blip r:embed="rId2">
+            <a:extLst>
+              <a:ext uri="{28A0092B-C50C-407E-A947-70E740481C1C}">
+                <a14:useLocalDpi xmlns:a14="http://schemas.microsoft.com/office/drawing/2010/main" val="0"/>
+              </a:ext>
+            </a:extLst>
+          </a:blip>
+          <a:stretch>
+            <a:fillRect/>
+          </a:stretch>
+        </p:blipFill>
+        <p:spPr>
+          <a:xfrm>
+            <a:off x="2190750" y="1340768"/>
+            <a:ext cx="4762500" cy="2647950"/>
+          </a:xfrm>
+          <a:prstGeom prst="rect">
+            <a:avLst/>
+          </a:prstGeom>
+        </p:spPr>
+      </p:pic>
+      <p:sp>
+        <p:nvSpPr>
+          <p:cNvPr id="4" name="TextBox 3"/>
+          <p:cNvSpPr txBox="1"/>
+          <p:nvPr/>
+        </p:nvSpPr>
+        <p:spPr>
+          <a:xfrm>
+            <a:off x="2965752" y="4470211"/>
+            <a:ext cx="3262432" cy="830997"/>
+          </a:xfrm>
+          <a:prstGeom prst="rect">
+            <a:avLst/>
+          </a:prstGeom>
+          <a:noFill/>
+        </p:spPr>
+        <p:txBody>
+          <a:bodyPr wrap="none" rtlCol="0">
+            <a:spAutoFit/>
+          </a:bodyPr>
+          <a:lstStyle/>
+          <a:p>
+            <a:r>
+              <a:rPr lang="ko-KR" altLang="en-US" sz="4800" dirty="0" smtClean="0">
+                <a:latin typeface="HY엽서M" panose="02030600000101010101" pitchFamily="18" charset="-127"/>
+                <a:ea typeface="HY엽서M" panose="02030600000101010101" pitchFamily="18" charset="-127"/>
+              </a:rPr>
+              <a:t>감사합니다</a:t>
+            </a:r>
+            <a:endParaRPr lang="ko-KR" altLang="en-US" sz="4800" dirty="0">
+              <a:latin typeface="HY엽서M" panose="02030600000101010101" pitchFamily="18" charset="-127"/>
+              <a:ea typeface="HY엽서M" panose="02030600000101010101" pitchFamily="18" charset="-127"/>
+            </a:endParaRPr>
+          </a:p>
+        </p:txBody>
+      </p:sp>
+    </p:spTree>
+    <p:extLst>
+      <p:ext uri="{BB962C8B-B14F-4D97-AF65-F5344CB8AC3E}">
+        <p14:creationId xmlns:p14="http://schemas.microsoft.com/office/powerpoint/2010/main" val="254707822"/>
+      </p:ext>
+    </p:extLst>
+  </p:cSld>
+  <p:clrMapOvr>
+    <a:masterClrMapping/>
+  </p:clrMapOvr>
+  <p:timing>
+    <p:tnLst>
+      <p:par>
+        <p:cTn id="1" dur="indefinite" restart="never" nodeType="tmRoot"/>
+      </p:par>
+    </p:tnLst>
+  </p:timing>
+</p:sld>
+</file>
+
+<file path=ppt/slides/slide2.xml><?xml version="1.0" encoding="utf-8"?>
+<p:sld xmlns:a="http://schemas.openxmlformats.org/drawingml/2006/main" xmlns:r="http://schemas.openxmlformats.org/officeDocument/2006/relationships" xmlns:p="http://schemas.openxmlformats.org/presentationml/2006/main">
+  <p:cSld>
+    <p:spTree>
+      <p:nvGrpSpPr>
+        <p:cNvPr id="1" name=""/>
+        <p:cNvGrpSpPr/>
+        <p:nvPr/>
+      </p:nvGrpSpPr>
+      <p:grpSpPr>
+        <a:xfrm>
+          <a:off x="0" y="0"/>
+          <a:ext cx="0" cy="0"/>
+          <a:chOff x="0" y="0"/>
+          <a:chExt cx="0" cy="0"/>
+        </a:xfrm>
+      </p:grpSpPr>
+      <p:sp>
+        <p:nvSpPr>
+          <p:cNvPr id="5" name="직사각형 4"/>
+          <p:cNvSpPr/>
+          <p:nvPr/>
+        </p:nvSpPr>
+        <p:spPr>
+          <a:xfrm>
+            <a:off x="683568" y="548680"/>
+            <a:ext cx="7848872" cy="1213300"/>
+          </a:xfrm>
+          <a:prstGeom prst="rect">
+            <a:avLst/>
+          </a:prstGeom>
+          <a:noFill/>
+          <a:ln w="76200">
+            <a:solidFill>
+              <a:schemeClr val="accent2">
+                <a:lumMod val="60000"/>
+                <a:lumOff val="40000"/>
+              </a:schemeClr>
+            </a:solidFill>
+          </a:ln>
+          <a:effectLst>
+            <a:outerShdw blurRad="50800" dist="38100" dir="2700000" algn="tl" rotWithShape="0">
+              <a:prstClr val="black">
+                <a:alpha val="40000"/>
+              </a:prstClr>
+            </a:outerShdw>
+          </a:effectLst>
+        </p:spPr>
+        <p:style>
+          <a:lnRef idx="2">
+            <a:schemeClr val="accent1">
+              <a:shade val="50000"/>
+            </a:schemeClr>
+          </a:lnRef>
+          <a:fillRef idx="1">
+            <a:schemeClr val="accent1"/>
+          </a:fillRef>
+          <a:effectRef idx="0">
+            <a:schemeClr val="accent1"/>
+          </a:effectRef>
+          <a:fontRef idx="minor">
+            <a:schemeClr val="lt1"/>
+          </a:fontRef>
+        </p:style>
+        <p:txBody>
+          <a:bodyPr rtlCol="0" anchor="ctr"/>
+          <a:lstStyle/>
+          <a:p>
+            <a:pPr algn="ctr"/>
+            <a:endParaRPr lang="ko-KR" altLang="en-US"/>
+          </a:p>
+        </p:txBody>
+      </p:sp>
+      <p:pic>
+        <p:nvPicPr>
+          <p:cNvPr id="2" name="그림 1"/>
+          <p:cNvPicPr>
+            <a:picLocks noChangeAspect="1"/>
+          </p:cNvPicPr>
+          <p:nvPr/>
+        </p:nvPicPr>
+        <p:blipFill>
+          <a:blip r:embed="rId2" cstate="print">
+            <a:extLst>
+              <a:ext uri="{28A0092B-C50C-407E-A947-70E740481C1C}">
+                <a14:useLocalDpi xmlns:a14="http://schemas.microsoft.com/office/drawing/2010/main" val="0"/>
+              </a:ext>
+            </a:extLst>
+          </a:blip>
+          <a:stretch>
+            <a:fillRect/>
+          </a:stretch>
+        </p:blipFill>
+        <p:spPr>
+          <a:xfrm>
+            <a:off x="1076081" y="826845"/>
+            <a:ext cx="656969" cy="656969"/>
+          </a:xfrm>
+          <a:prstGeom prst="rect">
+            <a:avLst/>
+          </a:prstGeom>
+        </p:spPr>
+      </p:pic>
+      <p:sp>
+        <p:nvSpPr>
+          <p:cNvPr id="3" name="TextBox 2"/>
+          <p:cNvSpPr txBox="1"/>
+          <p:nvPr/>
+        </p:nvSpPr>
+        <p:spPr>
+          <a:xfrm>
+            <a:off x="4139952" y="775928"/>
+            <a:ext cx="1391728" cy="707886"/>
+          </a:xfrm>
+          <a:prstGeom prst="rect">
+            <a:avLst/>
+          </a:prstGeom>
+          <a:noFill/>
+        </p:spPr>
+        <p:txBody>
+          <a:bodyPr wrap="none" rtlCol="0">
+            <a:spAutoFit/>
+          </a:bodyPr>
+          <a:lstStyle/>
+          <a:p>
+            <a:r>
+              <a:rPr lang="ko-KR" altLang="en-US" sz="4000" dirty="0" smtClean="0"/>
+              <a:t>목 차</a:t>
+            </a:r>
+            <a:endParaRPr lang="ko-KR" altLang="en-US" sz="4000" dirty="0"/>
+          </a:p>
+        </p:txBody>
+      </p:sp>
       <p:grpSp>
         <p:nvGrpSpPr>
           <p:cNvPr id="19" name="그룹 18"/>
@@ -3803,7 +6087,7 @@
       </p:grpSp>
       <p:grpSp>
         <p:nvGrpSpPr>
-          <p:cNvPr id="22" name="그룹 21"/>
+          <p:cNvPr id="4" name="그룹 3"/>
           <p:cNvGrpSpPr/>
           <p:nvPr/>
         </p:nvGrpSpPr>
@@ -3811,7 +6095,7 @@
           <a:xfrm>
             <a:off x="1110907" y="4324903"/>
             <a:ext cx="7123536" cy="720080"/>
-            <a:chOff x="1091601" y="5445224"/>
+            <a:chOff x="1110907" y="4324903"/>
             <a:chExt cx="7123536" cy="720080"/>
           </a:xfrm>
         </p:grpSpPr>
@@ -3837,7 +6121,7 @@
           </p:blipFill>
           <p:spPr>
             <a:xfrm>
-              <a:off x="1091601" y="5445224"/>
+              <a:off x="1110907" y="4324903"/>
               <a:ext cx="625927" cy="625927"/>
             </a:xfrm>
             <a:prstGeom prst="rect">
@@ -3845,97 +6129,82 @@
             </a:prstGeom>
           </p:spPr>
         </p:pic>
-        <p:grpSp>
-          <p:nvGrpSpPr>
-            <p:cNvPr id="21" name="그룹 20"/>
-            <p:cNvGrpSpPr/>
+        <p:sp>
+          <p:nvSpPr>
+            <p:cNvPr id="14" name="TextBox 13"/>
+            <p:cNvSpPr txBox="1"/>
             <p:nvPr/>
-          </p:nvGrpSpPr>
-          <p:grpSpPr>
+          </p:nvSpPr>
+          <p:spPr>
             <a:xfrm>
-              <a:off x="1975029" y="5527354"/>
-              <a:ext cx="6240108" cy="637950"/>
-              <a:chOff x="1975029" y="5527354"/>
-              <a:chExt cx="6240108" cy="637950"/>
+              <a:off x="1994335" y="4407033"/>
+              <a:ext cx="1524776" cy="461665"/>
             </a:xfrm>
-          </p:grpSpPr>
-          <p:sp>
-            <p:nvSpPr>
-              <p:cNvPr id="14" name="TextBox 13"/>
-              <p:cNvSpPr txBox="1"/>
-              <p:nvPr/>
-            </p:nvSpPr>
-            <p:spPr>
-              <a:xfrm>
-                <a:off x="1975029" y="5527354"/>
-                <a:ext cx="1524776" cy="461665"/>
-              </a:xfrm>
-              <a:prstGeom prst="rect">
-                <a:avLst/>
-              </a:prstGeom>
+            <a:prstGeom prst="rect">
+              <a:avLst/>
+            </a:prstGeom>
+            <a:noFill/>
+          </p:spPr>
+          <p:txBody>
+            <a:bodyPr wrap="none" rtlCol="0">
+              <a:spAutoFit/>
+            </a:bodyPr>
+            <a:lstStyle/>
+            <a:p>
+              <a:r>
+                <a:rPr lang="ko-KR" altLang="en-US" sz="2400" dirty="0" smtClean="0"/>
+                <a:t>구현 화면</a:t>
+              </a:r>
+              <a:endParaRPr lang="ko-KR" altLang="en-US" sz="2400" dirty="0"/>
+            </a:p>
+          </p:txBody>
+        </p:sp>
+        <p:sp>
+          <p:nvSpPr>
+            <p:cNvPr id="18" name="직사각형 17"/>
+            <p:cNvSpPr/>
+            <p:nvPr/>
+          </p:nvSpPr>
+          <p:spPr>
+            <a:xfrm>
+              <a:off x="2037072" y="4950830"/>
+              <a:ext cx="6197371" cy="94153"/>
+            </a:xfrm>
+            <a:prstGeom prst="rect">
+              <a:avLst/>
+            </a:prstGeom>
+            <a:solidFill>
+              <a:srgbClr val="00E6BA"/>
+            </a:solidFill>
+            <a:ln>
               <a:noFill/>
-            </p:spPr>
-            <p:txBody>
-              <a:bodyPr wrap="none" rtlCol="0">
-                <a:spAutoFit/>
-              </a:bodyPr>
-              <a:lstStyle/>
-              <a:p>
-                <a:r>
-                  <a:rPr lang="ko-KR" altLang="en-US" sz="2400" dirty="0" smtClean="0"/>
-                  <a:t>구현 화면</a:t>
-                </a:r>
-                <a:endParaRPr lang="ko-KR" altLang="en-US" sz="2400" dirty="0"/>
-              </a:p>
-            </p:txBody>
-          </p:sp>
-          <p:sp>
-            <p:nvSpPr>
-              <p:cNvPr id="18" name="직사각형 17"/>
-              <p:cNvSpPr/>
-              <p:nvPr/>
-            </p:nvSpPr>
-            <p:spPr>
-              <a:xfrm>
-                <a:off x="2017766" y="6071151"/>
-                <a:ext cx="6197371" cy="94153"/>
-              </a:xfrm>
-              <a:prstGeom prst="rect">
-                <a:avLst/>
-              </a:prstGeom>
-              <a:solidFill>
-                <a:srgbClr val="66FFCC"/>
-              </a:solidFill>
-              <a:ln>
-                <a:noFill/>
-              </a:ln>
-            </p:spPr>
-            <p:style>
-              <a:lnRef idx="2">
-                <a:schemeClr val="accent1">
-                  <a:shade val="50000"/>
-                </a:schemeClr>
-              </a:lnRef>
-              <a:fillRef idx="1">
-                <a:schemeClr val="accent1"/>
-              </a:fillRef>
-              <a:effectRef idx="0">
-                <a:schemeClr val="accent1"/>
-              </a:effectRef>
-              <a:fontRef idx="minor">
-                <a:schemeClr val="lt1"/>
-              </a:fontRef>
-            </p:style>
-            <p:txBody>
-              <a:bodyPr rtlCol="0" anchor="ctr"/>
-              <a:lstStyle/>
-              <a:p>
-                <a:pPr algn="ctr"/>
-                <a:endParaRPr lang="ko-KR" altLang="en-US"/>
-              </a:p>
-            </p:txBody>
-          </p:sp>
-        </p:grpSp>
+            </a:ln>
+          </p:spPr>
+          <p:style>
+            <a:lnRef idx="2">
+              <a:schemeClr val="accent1">
+                <a:shade val="50000"/>
+              </a:schemeClr>
+            </a:lnRef>
+            <a:fillRef idx="1">
+              <a:schemeClr val="accent1"/>
+            </a:fillRef>
+            <a:effectRef idx="0">
+              <a:schemeClr val="accent1"/>
+            </a:effectRef>
+            <a:fontRef idx="minor">
+              <a:schemeClr val="lt1"/>
+            </a:fontRef>
+          </p:style>
+          <p:txBody>
+            <a:bodyPr rtlCol="0" anchor="ctr"/>
+            <a:lstStyle/>
+            <a:p>
+              <a:pPr algn="ctr"/>
+              <a:endParaRPr lang="ko-KR" altLang="en-US"/>
+            </a:p>
+          </p:txBody>
+        </p:sp>
       </p:grpSp>
       <p:grpSp>
         <p:nvGrpSpPr>
@@ -4098,127 +6367,119 @@
           <a:chExt cx="0" cy="0"/>
         </a:xfrm>
       </p:grpSpPr>
-      <p:grpSp>
-        <p:nvGrpSpPr>
-          <p:cNvPr id="14" name="그룹 13"/>
-          <p:cNvGrpSpPr/>
+      <p:sp>
+        <p:nvSpPr>
+          <p:cNvPr id="5" name="직사각형 4"/>
+          <p:cNvSpPr/>
           <p:nvPr/>
-        </p:nvGrpSpPr>
-        <p:grpSpPr>
+        </p:nvSpPr>
+        <p:spPr>
           <a:xfrm>
             <a:off x="683568" y="404664"/>
             <a:ext cx="7848872" cy="1213300"/>
-            <a:chOff x="683568" y="404664"/>
-            <a:chExt cx="7848872" cy="1213300"/>
-          </a:xfrm>
-        </p:grpSpPr>
-        <p:sp>
-          <p:nvSpPr>
-            <p:cNvPr id="5" name="직사각형 4"/>
-            <p:cNvSpPr/>
-            <p:nvPr/>
-          </p:nvSpPr>
-          <p:spPr>
-            <a:xfrm>
-              <a:off x="683568" y="404664"/>
-              <a:ext cx="7848872" cy="1213300"/>
-            </a:xfrm>
-            <a:prstGeom prst="rect">
-              <a:avLst/>
-            </a:prstGeom>
-            <a:noFill/>
-            <a:ln w="76200">
-              <a:solidFill>
-                <a:srgbClr val="FFC000"/>
-              </a:solidFill>
-            </a:ln>
-          </p:spPr>
-          <p:style>
-            <a:lnRef idx="2">
-              <a:schemeClr val="accent1">
-                <a:shade val="50000"/>
-              </a:schemeClr>
-            </a:lnRef>
-            <a:fillRef idx="1">
-              <a:schemeClr val="accent1"/>
-            </a:fillRef>
-            <a:effectRef idx="0">
-              <a:schemeClr val="accent1"/>
-            </a:effectRef>
-            <a:fontRef idx="minor">
-              <a:schemeClr val="lt1"/>
-            </a:fontRef>
-          </p:style>
-          <p:txBody>
-            <a:bodyPr rtlCol="0" anchor="ctr"/>
-            <a:lstStyle/>
-            <a:p>
-              <a:pPr algn="ctr"/>
-              <a:endParaRPr lang="ko-KR" altLang="en-US"/>
-            </a:p>
-          </p:txBody>
-        </p:sp>
-        <p:sp>
-          <p:nvSpPr>
-            <p:cNvPr id="7" name="TextBox 6"/>
-            <p:cNvSpPr txBox="1"/>
-            <p:nvPr/>
-          </p:nvSpPr>
-          <p:spPr>
-            <a:xfrm>
-              <a:off x="3131840" y="657371"/>
-              <a:ext cx="3443571" cy="707886"/>
-            </a:xfrm>
-            <a:prstGeom prst="rect">
-              <a:avLst/>
-            </a:prstGeom>
-            <a:noFill/>
-          </p:spPr>
-          <p:txBody>
-            <a:bodyPr wrap="none" rtlCol="0">
-              <a:spAutoFit/>
-            </a:bodyPr>
-            <a:lstStyle/>
-            <a:p>
-              <a:r>
-                <a:rPr lang="ko-KR" altLang="en-US" sz="4000" dirty="0" smtClean="0"/>
-                <a:t>프로그램 소개</a:t>
-              </a:r>
-              <a:endParaRPr lang="ko-KR" altLang="en-US" sz="4000" dirty="0"/>
-            </a:p>
-          </p:txBody>
-        </p:sp>
-        <p:pic>
-          <p:nvPicPr>
-            <p:cNvPr id="8" name="그림 7"/>
-            <p:cNvPicPr>
-              <a:picLocks noChangeAspect="1"/>
-            </p:cNvPicPr>
-            <p:nvPr/>
-          </p:nvPicPr>
-          <p:blipFill>
-            <a:blip r:embed="rId2" cstate="print">
-              <a:extLst>
-                <a:ext uri="{28A0092B-C50C-407E-A947-70E740481C1C}">
-                  <a14:useLocalDpi xmlns:a14="http://schemas.microsoft.com/office/drawing/2010/main" val="0"/>
-                </a:ext>
-              </a:extLst>
-            </a:blip>
-            <a:stretch>
-              <a:fillRect/>
-            </a:stretch>
-          </p:blipFill>
-          <p:spPr>
-            <a:xfrm>
-              <a:off x="1187624" y="656455"/>
-              <a:ext cx="658800" cy="658800"/>
-            </a:xfrm>
-            <a:prstGeom prst="rect">
-              <a:avLst/>
-            </a:prstGeom>
-          </p:spPr>
-        </p:pic>
-      </p:grpSp>
+          </a:xfrm>
+          <a:prstGeom prst="rect">
+            <a:avLst/>
+          </a:prstGeom>
+          <a:noFill/>
+          <a:ln w="76200">
+            <a:solidFill>
+              <a:srgbClr val="FFC000"/>
+            </a:solidFill>
+          </a:ln>
+          <a:effectLst>
+            <a:outerShdw blurRad="50800" dist="38100" dir="2700000" algn="tl" rotWithShape="0">
+              <a:prstClr val="black">
+                <a:alpha val="40000"/>
+              </a:prstClr>
+            </a:outerShdw>
+          </a:effectLst>
+        </p:spPr>
+        <p:style>
+          <a:lnRef idx="2">
+            <a:schemeClr val="accent1">
+              <a:shade val="50000"/>
+            </a:schemeClr>
+          </a:lnRef>
+          <a:fillRef idx="1">
+            <a:schemeClr val="accent1"/>
+          </a:fillRef>
+          <a:effectRef idx="0">
+            <a:schemeClr val="accent1"/>
+          </a:effectRef>
+          <a:fontRef idx="minor">
+            <a:schemeClr val="lt1"/>
+          </a:fontRef>
+        </p:style>
+        <p:txBody>
+          <a:bodyPr rtlCol="0" anchor="ctr"/>
+          <a:lstStyle/>
+          <a:p>
+            <a:pPr algn="ctr"/>
+            <a:endParaRPr lang="ko-KR" altLang="en-US"/>
+          </a:p>
+        </p:txBody>
+      </p:sp>
+      <p:sp>
+        <p:nvSpPr>
+          <p:cNvPr id="7" name="TextBox 6"/>
+          <p:cNvSpPr txBox="1"/>
+          <p:nvPr/>
+        </p:nvSpPr>
+        <p:spPr>
+          <a:xfrm>
+            <a:off x="3131840" y="657371"/>
+            <a:ext cx="3443571" cy="707886"/>
+          </a:xfrm>
+          <a:prstGeom prst="rect">
+            <a:avLst/>
+          </a:prstGeom>
+          <a:noFill/>
+        </p:spPr>
+        <p:txBody>
+          <a:bodyPr wrap="none" rtlCol="0">
+            <a:spAutoFit/>
+          </a:bodyPr>
+          <a:lstStyle/>
+          <a:p>
+            <a:r>
+              <a:rPr lang="ko-KR" altLang="en-US" sz="4000" dirty="0" smtClean="0"/>
+              <a:t>프로그램 소개</a:t>
+            </a:r>
+            <a:endParaRPr lang="ko-KR" altLang="en-US" sz="4000" dirty="0"/>
+          </a:p>
+        </p:txBody>
+      </p:sp>
+      <p:pic>
+        <p:nvPicPr>
+          <p:cNvPr id="8" name="그림 7"/>
+          <p:cNvPicPr>
+            <a:picLocks noChangeAspect="1"/>
+          </p:cNvPicPr>
+          <p:nvPr/>
+        </p:nvPicPr>
+        <p:blipFill>
+          <a:blip r:embed="rId2" cstate="print">
+            <a:extLst>
+              <a:ext uri="{28A0092B-C50C-407E-A947-70E740481C1C}">
+                <a14:useLocalDpi xmlns:a14="http://schemas.microsoft.com/office/drawing/2010/main" val="0"/>
+              </a:ext>
+            </a:extLst>
+          </a:blip>
+          <a:stretch>
+            <a:fillRect/>
+          </a:stretch>
+        </p:blipFill>
+        <p:spPr>
+          <a:xfrm>
+            <a:off x="1187624" y="656455"/>
+            <a:ext cx="658800" cy="658800"/>
+          </a:xfrm>
+          <a:prstGeom prst="rect">
+            <a:avLst/>
+          </a:prstGeom>
+        </p:spPr>
+      </p:pic>
       <p:grpSp>
         <p:nvGrpSpPr>
           <p:cNvPr id="18" name="그룹 17"/>
@@ -4556,6 +6817,13 @@
               <a:srgbClr val="FFC000"/>
             </a:solidFill>
           </a:ln>
+          <a:effectLst>
+            <a:outerShdw blurRad="50800" dist="38100" dir="2700000" algn="tl" rotWithShape="0">
+              <a:prstClr val="black">
+                <a:alpha val="40000"/>
+              </a:prstClr>
+            </a:outerShdw>
+          </a:effectLst>
         </p:spPr>
         <p:style>
           <a:lnRef idx="2">
@@ -4859,130 +7127,122 @@
           <a:chExt cx="0" cy="0"/>
         </a:xfrm>
       </p:grpSpPr>
-      <p:grpSp>
-        <p:nvGrpSpPr>
-          <p:cNvPr id="18" name="그룹 17"/>
-          <p:cNvGrpSpPr/>
+      <p:sp>
+        <p:nvSpPr>
+          <p:cNvPr id="5" name="직사각형 4"/>
+          <p:cNvSpPr/>
           <p:nvPr/>
-        </p:nvGrpSpPr>
-        <p:grpSpPr>
+        </p:nvSpPr>
+        <p:spPr>
           <a:xfrm>
             <a:off x="683568" y="404664"/>
             <a:ext cx="7848872" cy="1213300"/>
-            <a:chOff x="683568" y="404664"/>
-            <a:chExt cx="7848872" cy="1213300"/>
-          </a:xfrm>
-        </p:grpSpPr>
-        <p:sp>
-          <p:nvSpPr>
-            <p:cNvPr id="5" name="직사각형 4"/>
-            <p:cNvSpPr/>
-            <p:nvPr/>
-          </p:nvSpPr>
-          <p:spPr>
-            <a:xfrm>
-              <a:off x="683568" y="404664"/>
-              <a:ext cx="7848872" cy="1213300"/>
-            </a:xfrm>
-            <a:prstGeom prst="rect">
-              <a:avLst/>
-            </a:prstGeom>
-            <a:noFill/>
-            <a:ln w="76200">
-              <a:solidFill>
-                <a:schemeClr val="tx1">
-                  <a:lumMod val="65000"/>
-                  <a:lumOff val="35000"/>
-                </a:schemeClr>
-              </a:solidFill>
-            </a:ln>
-          </p:spPr>
-          <p:style>
-            <a:lnRef idx="2">
-              <a:schemeClr val="accent1">
-                <a:shade val="50000"/>
+          </a:xfrm>
+          <a:prstGeom prst="rect">
+            <a:avLst/>
+          </a:prstGeom>
+          <a:noFill/>
+          <a:ln w="76200">
+            <a:solidFill>
+              <a:schemeClr val="tx1">
+                <a:lumMod val="65000"/>
+                <a:lumOff val="35000"/>
               </a:schemeClr>
-            </a:lnRef>
-            <a:fillRef idx="1">
-              <a:schemeClr val="accent1"/>
-            </a:fillRef>
-            <a:effectRef idx="0">
-              <a:schemeClr val="accent1"/>
-            </a:effectRef>
-            <a:fontRef idx="minor">
-              <a:schemeClr val="lt1"/>
-            </a:fontRef>
-          </p:style>
-          <p:txBody>
-            <a:bodyPr rtlCol="0" anchor="ctr"/>
-            <a:lstStyle/>
-            <a:p>
-              <a:pPr algn="ctr"/>
-              <a:endParaRPr lang="ko-KR" altLang="en-US"/>
-            </a:p>
-          </p:txBody>
-        </p:sp>
-        <p:sp>
-          <p:nvSpPr>
-            <p:cNvPr id="6" name="TextBox 5"/>
-            <p:cNvSpPr txBox="1"/>
-            <p:nvPr/>
-          </p:nvSpPr>
-          <p:spPr>
-            <a:xfrm>
-              <a:off x="3707904" y="657371"/>
-              <a:ext cx="2417650" cy="707886"/>
-            </a:xfrm>
-            <a:prstGeom prst="rect">
-              <a:avLst/>
-            </a:prstGeom>
-            <a:noFill/>
-          </p:spPr>
-          <p:txBody>
-            <a:bodyPr wrap="none" rtlCol="0">
-              <a:spAutoFit/>
-            </a:bodyPr>
-            <a:lstStyle/>
-            <a:p>
-              <a:r>
-                <a:rPr lang="ko-KR" altLang="en-US" sz="4000" dirty="0" smtClean="0"/>
-                <a:t>코드 소개</a:t>
-              </a:r>
-              <a:endParaRPr lang="ko-KR" altLang="en-US" sz="4000" dirty="0"/>
-            </a:p>
-          </p:txBody>
-        </p:sp>
-        <p:pic>
-          <p:nvPicPr>
-            <p:cNvPr id="8" name="그림 7"/>
-            <p:cNvPicPr>
-              <a:picLocks noChangeAspect="1"/>
-            </p:cNvPicPr>
-            <p:nvPr/>
-          </p:nvPicPr>
-          <p:blipFill>
-            <a:blip r:embed="rId2" cstate="print">
-              <a:extLst>
-                <a:ext uri="{28A0092B-C50C-407E-A947-70E740481C1C}">
-                  <a14:useLocalDpi xmlns:a14="http://schemas.microsoft.com/office/drawing/2010/main" val="0"/>
-                </a:ext>
-              </a:extLst>
-            </a:blip>
-            <a:stretch>
-              <a:fillRect/>
-            </a:stretch>
-          </p:blipFill>
-          <p:spPr>
-            <a:xfrm>
-              <a:off x="1190169" y="657371"/>
-              <a:ext cx="658800" cy="658800"/>
-            </a:xfrm>
-            <a:prstGeom prst="rect">
-              <a:avLst/>
-            </a:prstGeom>
-          </p:spPr>
-        </p:pic>
-      </p:grpSp>
+            </a:solidFill>
+          </a:ln>
+          <a:effectLst>
+            <a:outerShdw blurRad="50800" dist="38100" dir="2700000" algn="tl" rotWithShape="0">
+              <a:prstClr val="black">
+                <a:alpha val="40000"/>
+              </a:prstClr>
+            </a:outerShdw>
+          </a:effectLst>
+        </p:spPr>
+        <p:style>
+          <a:lnRef idx="2">
+            <a:schemeClr val="accent1">
+              <a:shade val="50000"/>
+            </a:schemeClr>
+          </a:lnRef>
+          <a:fillRef idx="1">
+            <a:schemeClr val="accent1"/>
+          </a:fillRef>
+          <a:effectRef idx="0">
+            <a:schemeClr val="accent1"/>
+          </a:effectRef>
+          <a:fontRef idx="minor">
+            <a:schemeClr val="lt1"/>
+          </a:fontRef>
+        </p:style>
+        <p:txBody>
+          <a:bodyPr rtlCol="0" anchor="ctr"/>
+          <a:lstStyle/>
+          <a:p>
+            <a:pPr algn="ctr"/>
+            <a:endParaRPr lang="ko-KR" altLang="en-US"/>
+          </a:p>
+        </p:txBody>
+      </p:sp>
+      <p:sp>
+        <p:nvSpPr>
+          <p:cNvPr id="6" name="TextBox 5"/>
+          <p:cNvSpPr txBox="1"/>
+          <p:nvPr/>
+        </p:nvSpPr>
+        <p:spPr>
+          <a:xfrm>
+            <a:off x="3707904" y="657371"/>
+            <a:ext cx="2417650" cy="707886"/>
+          </a:xfrm>
+          <a:prstGeom prst="rect">
+            <a:avLst/>
+          </a:prstGeom>
+          <a:noFill/>
+        </p:spPr>
+        <p:txBody>
+          <a:bodyPr wrap="none" rtlCol="0">
+            <a:spAutoFit/>
+          </a:bodyPr>
+          <a:lstStyle/>
+          <a:p>
+            <a:r>
+              <a:rPr lang="ko-KR" altLang="en-US" sz="4000" dirty="0" smtClean="0"/>
+              <a:t>코드 소개</a:t>
+            </a:r>
+            <a:endParaRPr lang="ko-KR" altLang="en-US" sz="4000" dirty="0"/>
+          </a:p>
+        </p:txBody>
+      </p:sp>
+      <p:pic>
+        <p:nvPicPr>
+          <p:cNvPr id="8" name="그림 7"/>
+          <p:cNvPicPr>
+            <a:picLocks noChangeAspect="1"/>
+          </p:cNvPicPr>
+          <p:nvPr/>
+        </p:nvPicPr>
+        <p:blipFill>
+          <a:blip r:embed="rId2" cstate="print">
+            <a:extLst>
+              <a:ext uri="{28A0092B-C50C-407E-A947-70E740481C1C}">
+                <a14:useLocalDpi xmlns:a14="http://schemas.microsoft.com/office/drawing/2010/main" val="0"/>
+              </a:ext>
+            </a:extLst>
+          </a:blip>
+          <a:stretch>
+            <a:fillRect/>
+          </a:stretch>
+        </p:blipFill>
+        <p:spPr>
+          <a:xfrm>
+            <a:off x="1190169" y="657371"/>
+            <a:ext cx="658800" cy="658800"/>
+          </a:xfrm>
+          <a:prstGeom prst="rect">
+            <a:avLst/>
+          </a:prstGeom>
+        </p:spPr>
+      </p:pic>
       <p:pic>
         <p:nvPicPr>
           <p:cNvPr id="13" name="그림 12"/>
@@ -5036,6 +7296,13 @@
               </a:schemeClr>
             </a:solidFill>
           </a:ln>
+          <a:effectLst>
+            <a:outerShdw blurRad="50800" dist="38100" dir="2700000" algn="tl" rotWithShape="0">
+              <a:prstClr val="black">
+                <a:alpha val="40000"/>
+              </a:prstClr>
+            </a:outerShdw>
+          </a:effectLst>
         </p:spPr>
         <p:style>
           <a:lnRef idx="2">
@@ -5214,6 +7481,13 @@
               </a:schemeClr>
             </a:solidFill>
           </a:ln>
+          <a:effectLst>
+            <a:outerShdw blurRad="50800" dist="38100" dir="2700000" algn="tl" rotWithShape="0">
+              <a:prstClr val="black">
+                <a:alpha val="40000"/>
+              </a:prstClr>
+            </a:outerShdw>
+          </a:effectLst>
         </p:spPr>
         <p:style>
           <a:lnRef idx="2">
@@ -5353,6 +7627,13 @@
               </a:schemeClr>
             </a:solidFill>
           </a:ln>
+          <a:effectLst>
+            <a:outerShdw blurRad="50800" dist="38100" dir="2700000" algn="tl" rotWithShape="0">
+              <a:prstClr val="black">
+                <a:alpha val="40000"/>
+              </a:prstClr>
+            </a:outerShdw>
+          </a:effectLst>
         </p:spPr>
         <p:style>
           <a:lnRef idx="2">
@@ -5388,7 +7669,7 @@
         <p:spPr>
           <a:xfrm>
             <a:off x="3665964" y="4725144"/>
-            <a:ext cx="1848583" cy="369332"/>
+            <a:ext cx="1879041" cy="369332"/>
           </a:xfrm>
           <a:prstGeom prst="rect">
             <a:avLst/>
@@ -5402,14 +7683,14 @@
           <a:lstStyle/>
           <a:p>
             <a:r>
-              <a:rPr lang="ko-KR" altLang="en-US" dirty="0" smtClean="0"/>
+              <a:rPr lang="ko-KR" altLang="en-US" b="1" dirty="0" smtClean="0"/>
               <a:t>영화 포스터 </a:t>
             </a:r>
             <a:r>
-              <a:rPr lang="en-US" altLang="ko-KR" dirty="0" smtClean="0"/>
+              <a:rPr lang="en-US" altLang="ko-KR" b="1" dirty="0" smtClean="0"/>
               <a:t>API</a:t>
             </a:r>
-            <a:endParaRPr lang="ko-KR" altLang="en-US" dirty="0"/>
+            <a:endParaRPr lang="ko-KR" altLang="en-US" b="1" dirty="0"/>
           </a:p>
         </p:txBody>
       </p:sp>
@@ -5532,6 +7813,13 @@
               </a:schemeClr>
             </a:solidFill>
           </a:ln>
+          <a:effectLst>
+            <a:outerShdw blurRad="50800" dist="38100" dir="2700000" algn="tl" rotWithShape="0">
+              <a:prstClr val="black">
+                <a:alpha val="40000"/>
+              </a:prstClr>
+            </a:outerShdw>
+          </a:effectLst>
         </p:spPr>
         <p:style>
           <a:lnRef idx="2">
@@ -5626,7 +7914,7 @@
         </p:nvSpPr>
         <p:spPr>
           <a:xfrm>
-            <a:off x="665820" y="4504264"/>
+            <a:off x="683568" y="4365104"/>
             <a:ext cx="7848872" cy="1949072"/>
           </a:xfrm>
           <a:prstGeom prst="rect">
@@ -5641,6 +7929,13 @@
               </a:schemeClr>
             </a:solidFill>
           </a:ln>
+          <a:effectLst>
+            <a:outerShdw blurRad="50800" dist="38100" dir="2700000" algn="tl" rotWithShape="0">
+              <a:prstClr val="black">
+                <a:alpha val="40000"/>
+              </a:prstClr>
+            </a:outerShdw>
+          </a:effectLst>
         </p:spPr>
         <p:style>
           <a:lnRef idx="2">
@@ -5675,8 +7970,8 @@
         </p:nvSpPr>
         <p:spPr>
           <a:xfrm>
-            <a:off x="3665964" y="4725144"/>
-            <a:ext cx="1617751" cy="369332"/>
+            <a:off x="3683712" y="4585984"/>
+            <a:ext cx="1648208" cy="369332"/>
           </a:xfrm>
           <a:prstGeom prst="rect">
             <a:avLst/>
@@ -5690,14 +7985,14 @@
           <a:lstStyle/>
           <a:p>
             <a:r>
-              <a:rPr lang="ko-KR" altLang="en-US" dirty="0" smtClean="0"/>
+              <a:rPr lang="ko-KR" altLang="en-US" b="1" dirty="0" smtClean="0"/>
               <a:t>영화 정보 </a:t>
             </a:r>
             <a:r>
-              <a:rPr lang="en-US" altLang="ko-KR" dirty="0" smtClean="0"/>
+              <a:rPr lang="en-US" altLang="ko-KR" b="1" dirty="0" smtClean="0"/>
               <a:t>API</a:t>
             </a:r>
-            <a:endParaRPr lang="ko-KR" altLang="en-US" dirty="0"/>
+            <a:endParaRPr lang="ko-KR" altLang="en-US" b="1" dirty="0"/>
           </a:p>
         </p:txBody>
       </p:sp>
@@ -5709,7 +8004,7 @@
         </p:nvSpPr>
         <p:spPr>
           <a:xfrm>
-            <a:off x="1574856" y="5219908"/>
+            <a:off x="1592604" y="5080748"/>
             <a:ext cx="6030818" cy="646331"/>
           </a:xfrm>
           <a:prstGeom prst="rect">
@@ -5793,6 +8088,648 @@
     <p:extLst>
       <p:ext uri="{BB962C8B-B14F-4D97-AF65-F5344CB8AC3E}">
         <p14:creationId xmlns:p14="http://schemas.microsoft.com/office/powerpoint/2010/main" val="3559377213"/>
+      </p:ext>
+    </p:extLst>
+  </p:cSld>
+  <p:clrMapOvr>
+    <a:masterClrMapping/>
+  </p:clrMapOvr>
+  <p:timing>
+    <p:tnLst>
+      <p:par>
+        <p:cTn id="1" dur="indefinite" restart="never" nodeType="tmRoot"/>
+      </p:par>
+    </p:tnLst>
+  </p:timing>
+</p:sld>
+</file>
+
+<file path=ppt/slides/slide8.xml><?xml version="1.0" encoding="utf-8"?>
+<p:sld xmlns:a="http://schemas.openxmlformats.org/drawingml/2006/main" xmlns:r="http://schemas.openxmlformats.org/officeDocument/2006/relationships" xmlns:p="http://schemas.openxmlformats.org/presentationml/2006/main">
+  <p:cSld>
+    <p:spTree>
+      <p:nvGrpSpPr>
+        <p:cNvPr id="1" name=""/>
+        <p:cNvGrpSpPr/>
+        <p:nvPr/>
+      </p:nvGrpSpPr>
+      <p:grpSpPr>
+        <a:xfrm>
+          <a:off x="0" y="0"/>
+          <a:ext cx="0" cy="0"/>
+          <a:chOff x="0" y="0"/>
+          <a:chExt cx="0" cy="0"/>
+        </a:xfrm>
+      </p:grpSpPr>
+      <p:sp>
+        <p:nvSpPr>
+          <p:cNvPr id="9" name="직사각형 8"/>
+          <p:cNvSpPr/>
+          <p:nvPr/>
+        </p:nvSpPr>
+        <p:spPr>
+          <a:xfrm>
+            <a:off x="683568" y="404664"/>
+            <a:ext cx="7848872" cy="1213300"/>
+          </a:xfrm>
+          <a:prstGeom prst="rect">
+            <a:avLst/>
+          </a:prstGeom>
+          <a:noFill/>
+          <a:ln w="76200">
+            <a:solidFill>
+              <a:schemeClr val="tx1">
+                <a:lumMod val="65000"/>
+                <a:lumOff val="35000"/>
+              </a:schemeClr>
+            </a:solidFill>
+          </a:ln>
+          <a:effectLst>
+            <a:outerShdw blurRad="50800" dist="38100" dir="2700000" algn="tl" rotWithShape="0">
+              <a:prstClr val="black">
+                <a:alpha val="40000"/>
+              </a:prstClr>
+            </a:outerShdw>
+          </a:effectLst>
+        </p:spPr>
+        <p:style>
+          <a:lnRef idx="2">
+            <a:schemeClr val="accent1">
+              <a:shade val="50000"/>
+            </a:schemeClr>
+          </a:lnRef>
+          <a:fillRef idx="1">
+            <a:schemeClr val="accent1"/>
+          </a:fillRef>
+          <a:effectRef idx="0">
+            <a:schemeClr val="accent1"/>
+          </a:effectRef>
+          <a:fontRef idx="minor">
+            <a:schemeClr val="lt1"/>
+          </a:fontRef>
+        </p:style>
+        <p:txBody>
+          <a:bodyPr rtlCol="0" anchor="ctr"/>
+          <a:lstStyle/>
+          <a:p>
+            <a:pPr algn="ctr"/>
+            <a:endParaRPr lang="ko-KR" altLang="en-US"/>
+          </a:p>
+        </p:txBody>
+      </p:sp>
+      <p:sp>
+        <p:nvSpPr>
+          <p:cNvPr id="10" name="TextBox 9"/>
+          <p:cNvSpPr txBox="1"/>
+          <p:nvPr/>
+        </p:nvSpPr>
+        <p:spPr>
+          <a:xfrm>
+            <a:off x="3707904" y="657371"/>
+            <a:ext cx="2417650" cy="707886"/>
+          </a:xfrm>
+          <a:prstGeom prst="rect">
+            <a:avLst/>
+          </a:prstGeom>
+          <a:noFill/>
+        </p:spPr>
+        <p:txBody>
+          <a:bodyPr wrap="none" rtlCol="0">
+            <a:spAutoFit/>
+          </a:bodyPr>
+          <a:lstStyle/>
+          <a:p>
+            <a:r>
+              <a:rPr lang="ko-KR" altLang="en-US" sz="4000" dirty="0" smtClean="0"/>
+              <a:t>코드 소개</a:t>
+            </a:r>
+            <a:endParaRPr lang="ko-KR" altLang="en-US" sz="4000" dirty="0"/>
+          </a:p>
+        </p:txBody>
+      </p:sp>
+      <p:pic>
+        <p:nvPicPr>
+          <p:cNvPr id="11" name="그림 10"/>
+          <p:cNvPicPr>
+            <a:picLocks noChangeAspect="1"/>
+          </p:cNvPicPr>
+          <p:nvPr/>
+        </p:nvPicPr>
+        <p:blipFill>
+          <a:blip r:embed="rId2" cstate="print">
+            <a:extLst>
+              <a:ext uri="{28A0092B-C50C-407E-A947-70E740481C1C}">
+                <a14:useLocalDpi xmlns:a14="http://schemas.microsoft.com/office/drawing/2010/main" val="0"/>
+              </a:ext>
+            </a:extLst>
+          </a:blip>
+          <a:stretch>
+            <a:fillRect/>
+          </a:stretch>
+        </p:blipFill>
+        <p:spPr>
+          <a:xfrm>
+            <a:off x="1190169" y="657371"/>
+            <a:ext cx="658800" cy="658800"/>
+          </a:xfrm>
+          <a:prstGeom prst="rect">
+            <a:avLst/>
+          </a:prstGeom>
+        </p:spPr>
+      </p:pic>
+      <p:sp>
+        <p:nvSpPr>
+          <p:cNvPr id="13" name="직사각형 12"/>
+          <p:cNvSpPr/>
+          <p:nvPr/>
+        </p:nvSpPr>
+        <p:spPr>
+          <a:xfrm>
+            <a:off x="495451" y="2668811"/>
+            <a:ext cx="3095071" cy="3024336"/>
+          </a:xfrm>
+          <a:prstGeom prst="rect">
+            <a:avLst/>
+          </a:prstGeom>
+          <a:noFill/>
+          <a:ln w="76200">
+            <a:solidFill>
+              <a:schemeClr val="tx1">
+                <a:lumMod val="65000"/>
+                <a:lumOff val="35000"/>
+              </a:schemeClr>
+            </a:solidFill>
+          </a:ln>
+          <a:effectLst>
+            <a:outerShdw blurRad="50800" dist="38100" dir="2700000" algn="tl" rotWithShape="0">
+              <a:prstClr val="black">
+                <a:alpha val="40000"/>
+              </a:prstClr>
+            </a:outerShdw>
+          </a:effectLst>
+        </p:spPr>
+        <p:style>
+          <a:lnRef idx="2">
+            <a:schemeClr val="accent1">
+              <a:shade val="50000"/>
+            </a:schemeClr>
+          </a:lnRef>
+          <a:fillRef idx="1">
+            <a:schemeClr val="accent1"/>
+          </a:fillRef>
+          <a:effectRef idx="0">
+            <a:schemeClr val="accent1"/>
+          </a:effectRef>
+          <a:fontRef idx="minor">
+            <a:schemeClr val="lt1"/>
+          </a:fontRef>
+        </p:style>
+        <p:txBody>
+          <a:bodyPr rtlCol="0" anchor="ctr"/>
+          <a:lstStyle/>
+          <a:p>
+            <a:pPr algn="ctr"/>
+            <a:endParaRPr lang="ko-KR" altLang="en-US"/>
+          </a:p>
+        </p:txBody>
+      </p:sp>
+      <p:sp>
+        <p:nvSpPr>
+          <p:cNvPr id="14" name="TextBox 13"/>
+          <p:cNvSpPr txBox="1"/>
+          <p:nvPr/>
+        </p:nvSpPr>
+        <p:spPr>
+          <a:xfrm>
+            <a:off x="1080332" y="3316883"/>
+            <a:ext cx="2079415" cy="369332"/>
+          </a:xfrm>
+          <a:prstGeom prst="rect">
+            <a:avLst/>
+          </a:prstGeom>
+          <a:noFill/>
+        </p:spPr>
+        <p:txBody>
+          <a:bodyPr wrap="none" rtlCol="0">
+            <a:spAutoFit/>
+          </a:bodyPr>
+          <a:lstStyle/>
+          <a:p>
+            <a:r>
+              <a:rPr lang="en-US" altLang="ko-KR" b="1" dirty="0" smtClean="0"/>
+              <a:t>Xml</a:t>
+            </a:r>
+            <a:r>
+              <a:rPr lang="ko-KR" altLang="en-US" b="1" dirty="0" smtClean="0"/>
+              <a:t>파일 불러오기</a:t>
+            </a:r>
+            <a:endParaRPr lang="ko-KR" altLang="en-US" b="1" dirty="0"/>
+          </a:p>
+        </p:txBody>
+      </p:sp>
+      <p:sp>
+        <p:nvSpPr>
+          <p:cNvPr id="15" name="TextBox 14"/>
+          <p:cNvSpPr txBox="1"/>
+          <p:nvPr/>
+        </p:nvSpPr>
+        <p:spPr>
+          <a:xfrm>
+            <a:off x="1000780" y="4097473"/>
+            <a:ext cx="2103746" cy="923330"/>
+          </a:xfrm>
+          <a:prstGeom prst="rect">
+            <a:avLst/>
+          </a:prstGeom>
+          <a:noFill/>
+        </p:spPr>
+        <p:txBody>
+          <a:bodyPr wrap="square" rtlCol="0">
+            <a:spAutoFit/>
+          </a:bodyPr>
+          <a:lstStyle/>
+          <a:p>
+            <a:pPr algn="just"/>
+            <a:r>
+              <a:rPr lang="ko-KR" altLang="en-US" dirty="0" smtClean="0"/>
+              <a:t>임의의 </a:t>
+            </a:r>
+            <a:r>
+              <a:rPr lang="en-US" altLang="ko-KR" dirty="0" smtClean="0"/>
+              <a:t>List</a:t>
+            </a:r>
+            <a:r>
+              <a:rPr lang="ko-KR" altLang="en-US" dirty="0" smtClean="0"/>
+              <a:t>에 </a:t>
+            </a:r>
+            <a:r>
+              <a:rPr lang="en-US" altLang="ko-KR" dirty="0" smtClean="0"/>
+              <a:t>xml</a:t>
+            </a:r>
+            <a:r>
+              <a:rPr lang="ko-KR" altLang="en-US" dirty="0" smtClean="0"/>
+              <a:t>파일의 정보들을 저장하여 사용한다</a:t>
+            </a:r>
+            <a:r>
+              <a:rPr lang="en-US" altLang="ko-KR" dirty="0" smtClean="0"/>
+              <a:t>.</a:t>
+            </a:r>
+          </a:p>
+        </p:txBody>
+      </p:sp>
+      <p:pic>
+        <p:nvPicPr>
+          <p:cNvPr id="4" name="그림 3"/>
+          <p:cNvPicPr>
+            <a:picLocks noChangeAspect="1"/>
+          </p:cNvPicPr>
+          <p:nvPr/>
+        </p:nvPicPr>
+        <p:blipFill>
+          <a:blip r:embed="rId3">
+            <a:extLst>
+              <a:ext uri="{28A0092B-C50C-407E-A947-70E740481C1C}">
+                <a14:useLocalDpi xmlns:a14="http://schemas.microsoft.com/office/drawing/2010/main" val="0"/>
+              </a:ext>
+            </a:extLst>
+          </a:blip>
+          <a:stretch>
+            <a:fillRect/>
+          </a:stretch>
+        </p:blipFill>
+        <p:spPr>
+          <a:xfrm>
+            <a:off x="3859971" y="2556695"/>
+            <a:ext cx="4888493" cy="3248569"/>
+          </a:xfrm>
+          <a:prstGeom prst="rect">
+            <a:avLst/>
+          </a:prstGeom>
+        </p:spPr>
+      </p:pic>
+    </p:spTree>
+    <p:extLst>
+      <p:ext uri="{BB962C8B-B14F-4D97-AF65-F5344CB8AC3E}">
+        <p14:creationId xmlns:p14="http://schemas.microsoft.com/office/powerpoint/2010/main" val="529829249"/>
+      </p:ext>
+    </p:extLst>
+  </p:cSld>
+  <p:clrMapOvr>
+    <a:masterClrMapping/>
+  </p:clrMapOvr>
+  <p:timing>
+    <p:tnLst>
+      <p:par>
+        <p:cTn id="1" dur="indefinite" restart="never" nodeType="tmRoot"/>
+      </p:par>
+    </p:tnLst>
+  </p:timing>
+</p:sld>
+</file>
+
+<file path=ppt/slides/slide9.xml><?xml version="1.0" encoding="utf-8"?>
+<p:sld xmlns:a="http://schemas.openxmlformats.org/drawingml/2006/main" xmlns:r="http://schemas.openxmlformats.org/officeDocument/2006/relationships" xmlns:p="http://schemas.openxmlformats.org/presentationml/2006/main">
+  <p:cSld>
+    <p:spTree>
+      <p:nvGrpSpPr>
+        <p:cNvPr id="1" name=""/>
+        <p:cNvGrpSpPr/>
+        <p:nvPr/>
+      </p:nvGrpSpPr>
+      <p:grpSpPr>
+        <a:xfrm>
+          <a:off x="0" y="0"/>
+          <a:ext cx="0" cy="0"/>
+          <a:chOff x="0" y="0"/>
+          <a:chExt cx="0" cy="0"/>
+        </a:xfrm>
+      </p:grpSpPr>
+      <p:sp>
+        <p:nvSpPr>
+          <p:cNvPr id="9" name="직사각형 8"/>
+          <p:cNvSpPr/>
+          <p:nvPr/>
+        </p:nvSpPr>
+        <p:spPr>
+          <a:xfrm>
+            <a:off x="683568" y="404664"/>
+            <a:ext cx="7848872" cy="1213300"/>
+          </a:xfrm>
+          <a:prstGeom prst="rect">
+            <a:avLst/>
+          </a:prstGeom>
+          <a:noFill/>
+          <a:ln w="76200">
+            <a:solidFill>
+              <a:schemeClr val="tx1">
+                <a:lumMod val="65000"/>
+                <a:lumOff val="35000"/>
+              </a:schemeClr>
+            </a:solidFill>
+          </a:ln>
+          <a:effectLst>
+            <a:outerShdw blurRad="50800" dist="38100" dir="2700000" algn="tl" rotWithShape="0">
+              <a:prstClr val="black">
+                <a:alpha val="40000"/>
+              </a:prstClr>
+            </a:outerShdw>
+          </a:effectLst>
+        </p:spPr>
+        <p:style>
+          <a:lnRef idx="2">
+            <a:schemeClr val="accent1">
+              <a:shade val="50000"/>
+            </a:schemeClr>
+          </a:lnRef>
+          <a:fillRef idx="1">
+            <a:schemeClr val="accent1"/>
+          </a:fillRef>
+          <a:effectRef idx="0">
+            <a:schemeClr val="accent1"/>
+          </a:effectRef>
+          <a:fontRef idx="minor">
+            <a:schemeClr val="lt1"/>
+          </a:fontRef>
+        </p:style>
+        <p:txBody>
+          <a:bodyPr rtlCol="0" anchor="ctr"/>
+          <a:lstStyle/>
+          <a:p>
+            <a:pPr algn="ctr"/>
+            <a:endParaRPr lang="ko-KR" altLang="en-US"/>
+          </a:p>
+        </p:txBody>
+      </p:sp>
+      <p:sp>
+        <p:nvSpPr>
+          <p:cNvPr id="10" name="TextBox 9"/>
+          <p:cNvSpPr txBox="1"/>
+          <p:nvPr/>
+        </p:nvSpPr>
+        <p:spPr>
+          <a:xfrm>
+            <a:off x="3707904" y="657371"/>
+            <a:ext cx="2417650" cy="707886"/>
+          </a:xfrm>
+          <a:prstGeom prst="rect">
+            <a:avLst/>
+          </a:prstGeom>
+          <a:noFill/>
+        </p:spPr>
+        <p:txBody>
+          <a:bodyPr wrap="none" rtlCol="0">
+            <a:spAutoFit/>
+          </a:bodyPr>
+          <a:lstStyle/>
+          <a:p>
+            <a:r>
+              <a:rPr lang="ko-KR" altLang="en-US" sz="4000" dirty="0" smtClean="0"/>
+              <a:t>코드 소개</a:t>
+            </a:r>
+            <a:endParaRPr lang="ko-KR" altLang="en-US" sz="4000" dirty="0"/>
+          </a:p>
+        </p:txBody>
+      </p:sp>
+      <p:pic>
+        <p:nvPicPr>
+          <p:cNvPr id="11" name="그림 10"/>
+          <p:cNvPicPr>
+            <a:picLocks noChangeAspect="1"/>
+          </p:cNvPicPr>
+          <p:nvPr/>
+        </p:nvPicPr>
+        <p:blipFill>
+          <a:blip r:embed="rId2" cstate="print">
+            <a:extLst>
+              <a:ext uri="{28A0092B-C50C-407E-A947-70E740481C1C}">
+                <a14:useLocalDpi xmlns:a14="http://schemas.microsoft.com/office/drawing/2010/main" val="0"/>
+              </a:ext>
+            </a:extLst>
+          </a:blip>
+          <a:stretch>
+            <a:fillRect/>
+          </a:stretch>
+        </p:blipFill>
+        <p:spPr>
+          <a:xfrm>
+            <a:off x="1190169" y="657371"/>
+            <a:ext cx="658800" cy="658800"/>
+          </a:xfrm>
+          <a:prstGeom prst="rect">
+            <a:avLst/>
+          </a:prstGeom>
+        </p:spPr>
+      </p:pic>
+      <p:sp>
+        <p:nvSpPr>
+          <p:cNvPr id="13" name="직사각형 12"/>
+          <p:cNvSpPr/>
+          <p:nvPr/>
+        </p:nvSpPr>
+        <p:spPr>
+          <a:xfrm>
+            <a:off x="495451" y="2668811"/>
+            <a:ext cx="3095071" cy="3024336"/>
+          </a:xfrm>
+          <a:prstGeom prst="rect">
+            <a:avLst/>
+          </a:prstGeom>
+          <a:noFill/>
+          <a:ln w="76200">
+            <a:solidFill>
+              <a:schemeClr val="tx1">
+                <a:lumMod val="65000"/>
+                <a:lumOff val="35000"/>
+              </a:schemeClr>
+            </a:solidFill>
+          </a:ln>
+          <a:effectLst>
+            <a:outerShdw blurRad="50800" dist="38100" dir="2700000" algn="tl" rotWithShape="0">
+              <a:prstClr val="black">
+                <a:alpha val="40000"/>
+              </a:prstClr>
+            </a:outerShdw>
+          </a:effectLst>
+        </p:spPr>
+        <p:style>
+          <a:lnRef idx="2">
+            <a:schemeClr val="accent1">
+              <a:shade val="50000"/>
+            </a:schemeClr>
+          </a:lnRef>
+          <a:fillRef idx="1">
+            <a:schemeClr val="accent1"/>
+          </a:fillRef>
+          <a:effectRef idx="0">
+            <a:schemeClr val="accent1"/>
+          </a:effectRef>
+          <a:fontRef idx="minor">
+            <a:schemeClr val="lt1"/>
+          </a:fontRef>
+        </p:style>
+        <p:txBody>
+          <a:bodyPr rtlCol="0" anchor="ctr"/>
+          <a:lstStyle/>
+          <a:p>
+            <a:pPr algn="ctr"/>
+            <a:endParaRPr lang="ko-KR" altLang="en-US"/>
+          </a:p>
+        </p:txBody>
+      </p:sp>
+      <p:sp>
+        <p:nvSpPr>
+          <p:cNvPr id="14" name="TextBox 13"/>
+          <p:cNvSpPr txBox="1"/>
+          <p:nvPr/>
+        </p:nvSpPr>
+        <p:spPr>
+          <a:xfrm>
+            <a:off x="1080332" y="3316883"/>
+            <a:ext cx="2079415" cy="369332"/>
+          </a:xfrm>
+          <a:prstGeom prst="rect">
+            <a:avLst/>
+          </a:prstGeom>
+          <a:noFill/>
+        </p:spPr>
+        <p:txBody>
+          <a:bodyPr wrap="none" rtlCol="0">
+            <a:spAutoFit/>
+          </a:bodyPr>
+          <a:lstStyle/>
+          <a:p>
+            <a:r>
+              <a:rPr lang="en-US" altLang="ko-KR" b="1" dirty="0" smtClean="0"/>
+              <a:t>Xml</a:t>
+            </a:r>
+            <a:r>
+              <a:rPr lang="ko-KR" altLang="en-US" b="1" dirty="0" smtClean="0"/>
+              <a:t>파일 저장하기</a:t>
+            </a:r>
+            <a:endParaRPr lang="ko-KR" altLang="en-US" b="1" dirty="0"/>
+          </a:p>
+        </p:txBody>
+      </p:sp>
+      <p:sp>
+        <p:nvSpPr>
+          <p:cNvPr id="15" name="TextBox 14"/>
+          <p:cNvSpPr txBox="1"/>
+          <p:nvPr/>
+        </p:nvSpPr>
+        <p:spPr>
+          <a:xfrm>
+            <a:off x="1000780" y="4097473"/>
+            <a:ext cx="2103746" cy="923330"/>
+          </a:xfrm>
+          <a:prstGeom prst="rect">
+            <a:avLst/>
+          </a:prstGeom>
+          <a:noFill/>
+        </p:spPr>
+        <p:txBody>
+          <a:bodyPr wrap="square" rtlCol="0">
+            <a:spAutoFit/>
+          </a:bodyPr>
+          <a:lstStyle/>
+          <a:p>
+            <a:pPr algn="just"/>
+            <a:r>
+              <a:rPr lang="en-US" altLang="ko-KR" dirty="0" smtClean="0"/>
+              <a:t>List</a:t>
+            </a:r>
+            <a:r>
+              <a:rPr lang="ko-KR" altLang="en-US" dirty="0" smtClean="0"/>
+              <a:t>에 들어있는 정보들을 </a:t>
+            </a:r>
+            <a:r>
+              <a:rPr lang="en-US" altLang="ko-KR" dirty="0" smtClean="0"/>
+              <a:t>Xml</a:t>
+            </a:r>
+            <a:r>
+              <a:rPr lang="ko-KR" altLang="en-US" dirty="0" smtClean="0"/>
+              <a:t>파일 텍스트로 저장한다</a:t>
+            </a:r>
+            <a:r>
+              <a:rPr lang="en-US" altLang="ko-KR" dirty="0" smtClean="0"/>
+              <a:t>.</a:t>
+            </a:r>
+          </a:p>
+        </p:txBody>
+      </p:sp>
+      <p:pic>
+        <p:nvPicPr>
+          <p:cNvPr id="2" name="그림 1"/>
+          <p:cNvPicPr>
+            <a:picLocks noChangeAspect="1"/>
+          </p:cNvPicPr>
+          <p:nvPr/>
+        </p:nvPicPr>
+        <p:blipFill>
+          <a:blip r:embed="rId3">
+            <a:extLst>
+              <a:ext uri="{28A0092B-C50C-407E-A947-70E740481C1C}">
+                <a14:useLocalDpi xmlns:a14="http://schemas.microsoft.com/office/drawing/2010/main" val="0"/>
+              </a:ext>
+            </a:extLst>
+          </a:blip>
+          <a:stretch>
+            <a:fillRect/>
+          </a:stretch>
+        </p:blipFill>
+        <p:spPr>
+          <a:xfrm>
+            <a:off x="4079760" y="2183042"/>
+            <a:ext cx="4568241" cy="3995874"/>
+          </a:xfrm>
+          <a:prstGeom prst="rect">
+            <a:avLst/>
+          </a:prstGeom>
+        </p:spPr>
+      </p:pic>
+    </p:spTree>
+    <p:extLst>
+      <p:ext uri="{BB962C8B-B14F-4D97-AF65-F5344CB8AC3E}">
+        <p14:creationId xmlns:p14="http://schemas.microsoft.com/office/powerpoint/2010/main" val="3317247860"/>
       </p:ext>
     </p:extLst>
   </p:cSld>
